--- a/Data_Management.pptx
+++ b/Data_Management.pptx
@@ -21,23 +21,29 @@
     <p:sldId id="290" r:id="rId15"/>
     <p:sldId id="291" r:id="rId16"/>
     <p:sldId id="292" r:id="rId17"/>
-    <p:sldId id="293" r:id="rId18"/>
-    <p:sldId id="294" r:id="rId19"/>
-    <p:sldId id="295" r:id="rId20"/>
-    <p:sldId id="296" r:id="rId21"/>
-    <p:sldId id="297" r:id="rId22"/>
-    <p:sldId id="298" r:id="rId23"/>
-    <p:sldId id="299" r:id="rId24"/>
-    <p:sldId id="300" r:id="rId25"/>
-    <p:sldId id="301" r:id="rId26"/>
-    <p:sldId id="302" r:id="rId27"/>
-    <p:sldId id="303" r:id="rId28"/>
-    <p:sldId id="304" r:id="rId29"/>
-    <p:sldId id="305" r:id="rId30"/>
-    <p:sldId id="306" r:id="rId31"/>
-    <p:sldId id="307" r:id="rId32"/>
-    <p:sldId id="308" r:id="rId33"/>
-    <p:sldId id="309" r:id="rId34"/>
+    <p:sldId id="314" r:id="rId18"/>
+    <p:sldId id="293" r:id="rId19"/>
+    <p:sldId id="294" r:id="rId20"/>
+    <p:sldId id="295" r:id="rId21"/>
+    <p:sldId id="296" r:id="rId22"/>
+    <p:sldId id="297" r:id="rId23"/>
+    <p:sldId id="298" r:id="rId24"/>
+    <p:sldId id="299" r:id="rId25"/>
+    <p:sldId id="300" r:id="rId26"/>
+    <p:sldId id="301" r:id="rId27"/>
+    <p:sldId id="302" r:id="rId28"/>
+    <p:sldId id="303" r:id="rId29"/>
+    <p:sldId id="304" r:id="rId30"/>
+    <p:sldId id="305" r:id="rId31"/>
+    <p:sldId id="306" r:id="rId32"/>
+    <p:sldId id="313" r:id="rId33"/>
+    <p:sldId id="307" r:id="rId34"/>
+    <p:sldId id="308" r:id="rId35"/>
+    <p:sldId id="309" r:id="rId36"/>
+    <p:sldId id="310" r:id="rId37"/>
+    <p:sldId id="311" r:id="rId38"/>
+    <p:sldId id="315" r:id="rId39"/>
+    <p:sldId id="312" r:id="rId40"/>
   </p:sldIdLst>
   <p:sldSz cx="12192000" cy="6858000"/>
   <p:notesSz cx="6858000" cy="9144000"/>
@@ -864,7 +870,7 @@
           <a:p>
             <a:fld id="{DD33691C-5F19-41E5-B321-0F7EE4E2A2F5}" type="datetimeFigureOut">
               <a:rPr lang="en-SG" smtClean="0"/>
-              <a:t>19 Nov 2022</a:t>
+              <a:t>7 Jan 2023</a:t>
             </a:fld>
             <a:endParaRPr lang="en-SG"/>
           </a:p>
@@ -1064,7 +1070,7 @@
           <a:p>
             <a:fld id="{DD33691C-5F19-41E5-B321-0F7EE4E2A2F5}" type="datetimeFigureOut">
               <a:rPr lang="en-SG" smtClean="0"/>
-              <a:t>19 Nov 2022</a:t>
+              <a:t>7 Jan 2023</a:t>
             </a:fld>
             <a:endParaRPr lang="en-SG"/>
           </a:p>
@@ -1274,7 +1280,7 @@
           <a:p>
             <a:fld id="{DD33691C-5F19-41E5-B321-0F7EE4E2A2F5}" type="datetimeFigureOut">
               <a:rPr lang="en-SG" smtClean="0"/>
-              <a:t>19 Nov 2022</a:t>
+              <a:t>7 Jan 2023</a:t>
             </a:fld>
             <a:endParaRPr lang="en-SG"/>
           </a:p>
@@ -1474,7 +1480,7 @@
           <a:p>
             <a:fld id="{DD33691C-5F19-41E5-B321-0F7EE4E2A2F5}" type="datetimeFigureOut">
               <a:rPr lang="en-SG" smtClean="0"/>
-              <a:t>19 Nov 2022</a:t>
+              <a:t>7 Jan 2023</a:t>
             </a:fld>
             <a:endParaRPr lang="en-SG"/>
           </a:p>
@@ -1750,7 +1756,7 @@
           <a:p>
             <a:fld id="{DD33691C-5F19-41E5-B321-0F7EE4E2A2F5}" type="datetimeFigureOut">
               <a:rPr lang="en-SG" smtClean="0"/>
-              <a:t>19 Nov 2022</a:t>
+              <a:t>7 Jan 2023</a:t>
             </a:fld>
             <a:endParaRPr lang="en-SG"/>
           </a:p>
@@ -2018,7 +2024,7 @@
           <a:p>
             <a:fld id="{DD33691C-5F19-41E5-B321-0F7EE4E2A2F5}" type="datetimeFigureOut">
               <a:rPr lang="en-SG" smtClean="0"/>
-              <a:t>19 Nov 2022</a:t>
+              <a:t>7 Jan 2023</a:t>
             </a:fld>
             <a:endParaRPr lang="en-SG"/>
           </a:p>
@@ -2433,7 +2439,7 @@
           <a:p>
             <a:fld id="{DD33691C-5F19-41E5-B321-0F7EE4E2A2F5}" type="datetimeFigureOut">
               <a:rPr lang="en-SG" smtClean="0"/>
-              <a:t>19 Nov 2022</a:t>
+              <a:t>7 Jan 2023</a:t>
             </a:fld>
             <a:endParaRPr lang="en-SG"/>
           </a:p>
@@ -2575,7 +2581,7 @@
           <a:p>
             <a:fld id="{DD33691C-5F19-41E5-B321-0F7EE4E2A2F5}" type="datetimeFigureOut">
               <a:rPr lang="en-SG" smtClean="0"/>
-              <a:t>19 Nov 2022</a:t>
+              <a:t>7 Jan 2023</a:t>
             </a:fld>
             <a:endParaRPr lang="en-SG"/>
           </a:p>
@@ -2688,7 +2694,7 @@
           <a:p>
             <a:fld id="{DD33691C-5F19-41E5-B321-0F7EE4E2A2F5}" type="datetimeFigureOut">
               <a:rPr lang="en-SG" smtClean="0"/>
-              <a:t>19 Nov 2022</a:t>
+              <a:t>7 Jan 2023</a:t>
             </a:fld>
             <a:endParaRPr lang="en-SG"/>
           </a:p>
@@ -3001,7 +3007,7 @@
           <a:p>
             <a:fld id="{DD33691C-5F19-41E5-B321-0F7EE4E2A2F5}" type="datetimeFigureOut">
               <a:rPr lang="en-SG" smtClean="0"/>
-              <a:t>19 Nov 2022</a:t>
+              <a:t>7 Jan 2023</a:t>
             </a:fld>
             <a:endParaRPr lang="en-SG"/>
           </a:p>
@@ -3290,7 +3296,7 @@
           <a:p>
             <a:fld id="{DD33691C-5F19-41E5-B321-0F7EE4E2A2F5}" type="datetimeFigureOut">
               <a:rPr lang="en-SG" smtClean="0"/>
-              <a:t>19 Nov 2022</a:t>
+              <a:t>7 Jan 2023</a:t>
             </a:fld>
             <a:endParaRPr lang="en-SG"/>
           </a:p>
@@ -3533,7 +3539,7 @@
           <a:p>
             <a:fld id="{DD33691C-5F19-41E5-B321-0F7EE4E2A2F5}" type="datetimeFigureOut">
               <a:rPr lang="en-SG" smtClean="0"/>
-              <a:t>19 Nov 2022</a:t>
+              <a:t>7 Jan 2023</a:t>
             </a:fld>
             <a:endParaRPr lang="en-SG"/>
           </a:p>
@@ -4109,9 +4115,7 @@
               <a:avLst/>
             </a:prstGeom>
             <a:solidFill>
-              <a:schemeClr val="bg1">
-                <a:lumMod val="95000"/>
-              </a:schemeClr>
+              <a:srgbClr val="EFEBE4"/>
             </a:solidFill>
           </p:spPr>
           <p:txBody>
@@ -4280,9 +4284,7 @@
               <a:avLst/>
             </a:prstGeom>
             <a:solidFill>
-              <a:schemeClr val="bg1">
-                <a:lumMod val="95000"/>
-              </a:schemeClr>
+              <a:srgbClr val="EFEBE4"/>
             </a:solidFill>
           </p:spPr>
           <p:txBody>
@@ -4424,9 +4426,7 @@
               <a:avLst/>
             </a:prstGeom>
             <a:solidFill>
-              <a:schemeClr val="bg1">
-                <a:lumMod val="95000"/>
-              </a:schemeClr>
+              <a:srgbClr val="EFEBE4"/>
             </a:solidFill>
           </p:spPr>
           <p:txBody>
@@ -4629,9 +4629,7 @@
               <a:avLst/>
             </a:prstGeom>
             <a:solidFill>
-              <a:schemeClr val="bg1">
-                <a:lumMod val="95000"/>
-              </a:schemeClr>
+              <a:srgbClr val="EFEBE4"/>
             </a:solidFill>
           </p:spPr>
           <p:txBody>
@@ -4821,9 +4819,7 @@
               <a:avLst/>
             </a:prstGeom>
             <a:solidFill>
-              <a:schemeClr val="bg1">
-                <a:lumMod val="95000"/>
-              </a:schemeClr>
+              <a:srgbClr val="EFEBE4"/>
             </a:solidFill>
           </p:spPr>
           <p:txBody>
@@ -4973,9 +4969,7 @@
               <a:avLst/>
             </a:prstGeom>
             <a:solidFill>
-              <a:schemeClr val="bg1">
-                <a:lumMod val="95000"/>
-              </a:schemeClr>
+              <a:srgbClr val="EFEBE4"/>
             </a:solidFill>
           </p:spPr>
           <p:txBody>
@@ -5117,9 +5111,7 @@
               <a:avLst/>
             </a:prstGeom>
             <a:solidFill>
-              <a:schemeClr val="bg1">
-                <a:lumMod val="95000"/>
-              </a:schemeClr>
+              <a:srgbClr val="EFEBE4"/>
             </a:solidFill>
           </p:spPr>
           <p:txBody>
@@ -5195,6 +5187,208 @@
 </file>
 
 <file path=ppt/slides/slide17.xml><?xml version="1.0" encoding="utf-8"?>
+<p:sld xmlns:a="http://schemas.openxmlformats.org/drawingml/2006/main" xmlns:r="http://schemas.openxmlformats.org/officeDocument/2006/relationships" xmlns:p="http://schemas.openxmlformats.org/presentationml/2006/main">
+  <p:cSld>
+    <p:spTree>
+      <p:nvGrpSpPr>
+        <p:cNvPr id="1" name=""/>
+        <p:cNvGrpSpPr/>
+        <p:nvPr/>
+      </p:nvGrpSpPr>
+      <p:grpSpPr>
+        <a:xfrm>
+          <a:off x="0" y="0"/>
+          <a:ext cx="0" cy="0"/>
+          <a:chOff x="0" y="0"/>
+          <a:chExt cx="0" cy="0"/>
+        </a:xfrm>
+      </p:grpSpPr>
+      <p:grpSp>
+        <p:nvGrpSpPr>
+          <p:cNvPr id="9" name="Group 8">
+            <a:extLst>
+              <a:ext uri="{FF2B5EF4-FFF2-40B4-BE49-F238E27FC236}">
+                <a16:creationId xmlns:a16="http://schemas.microsoft.com/office/drawing/2014/main" id="{0BFB25B5-0DDF-C047-5318-A459AA86FC91}"/>
+              </a:ext>
+            </a:extLst>
+          </p:cNvPr>
+          <p:cNvGrpSpPr/>
+          <p:nvPr/>
+        </p:nvGrpSpPr>
+        <p:grpSpPr>
+          <a:xfrm>
+            <a:off x="2886075" y="723900"/>
+            <a:ext cx="6419850" cy="5410200"/>
+            <a:chOff x="2886075" y="723900"/>
+            <a:chExt cx="6419850" cy="5410200"/>
+          </a:xfrm>
+        </p:grpSpPr>
+        <p:pic>
+          <p:nvPicPr>
+            <p:cNvPr id="5" name="Picture 4">
+              <a:extLst>
+                <a:ext uri="{FF2B5EF4-FFF2-40B4-BE49-F238E27FC236}">
+                  <a16:creationId xmlns:a16="http://schemas.microsoft.com/office/drawing/2014/main" id="{445ACA7A-86B5-FBFD-8582-31A12B92A2F0}"/>
+                </a:ext>
+              </a:extLst>
+            </p:cNvPr>
+            <p:cNvPicPr>
+              <a:picLocks noChangeAspect="1"/>
+            </p:cNvPicPr>
+            <p:nvPr/>
+          </p:nvPicPr>
+          <p:blipFill>
+            <a:blip r:embed="rId2"/>
+            <a:stretch>
+              <a:fillRect/>
+            </a:stretch>
+          </p:blipFill>
+          <p:spPr>
+            <a:xfrm>
+              <a:off x="2886075" y="723900"/>
+              <a:ext cx="6419850" cy="5410200"/>
+            </a:xfrm>
+            <a:prstGeom prst="rect">
+              <a:avLst/>
+            </a:prstGeom>
+          </p:spPr>
+        </p:pic>
+        <p:sp>
+          <p:nvSpPr>
+            <p:cNvPr id="7" name="TextBox 6">
+              <a:extLst>
+                <a:ext uri="{FF2B5EF4-FFF2-40B4-BE49-F238E27FC236}">
+                  <a16:creationId xmlns:a16="http://schemas.microsoft.com/office/drawing/2014/main" id="{CF2FF155-E299-4424-60F6-DB6C1D7DB577}"/>
+                </a:ext>
+              </a:extLst>
+            </p:cNvPr>
+            <p:cNvSpPr txBox="1"/>
+            <p:nvPr/>
+          </p:nvSpPr>
+          <p:spPr>
+            <a:xfrm>
+              <a:off x="3298770" y="3429000"/>
+              <a:ext cx="3744685" cy="646331"/>
+            </a:xfrm>
+            <a:prstGeom prst="rect">
+              <a:avLst/>
+            </a:prstGeom>
+            <a:solidFill>
+              <a:srgbClr val="EFEBE4"/>
+            </a:solidFill>
+          </p:spPr>
+          <p:txBody>
+            <a:bodyPr wrap="square">
+              <a:spAutoFit/>
+            </a:bodyPr>
+            <a:lstStyle/>
+            <a:p>
+              <a:r>
+                <a:rPr lang="en-SG" sz="1200">
+                  <a:latin typeface="Consolas" panose="020B0609020204030204" pitchFamily="49" charset="0"/>
+                </a:rPr>
+                <a:t>import pandas as pd</a:t>
+              </a:r>
+            </a:p>
+            <a:p>
+              <a:endParaRPr lang="en-SG" sz="1200">
+                <a:latin typeface="Consolas" panose="020B0609020204030204" pitchFamily="49" charset="0"/>
+              </a:endParaRPr>
+            </a:p>
+            <a:p>
+              <a:r>
+                <a:rPr lang="en-SG" sz="1200">
+                  <a:latin typeface="Consolas" panose="020B0609020204030204" pitchFamily="49" charset="0"/>
+                </a:rPr>
+                <a:t>print(s.</a:t>
+              </a:r>
+              <a:r>
+                <a:rPr lang="en-SG" sz="1200">
+                  <a:solidFill>
+                    <a:srgbClr val="FF0000"/>
+                  </a:solidFill>
+                  <a:latin typeface="Consolas" panose="020B0609020204030204" pitchFamily="49" charset="0"/>
+                </a:rPr>
+                <a:t>str</a:t>
+              </a:r>
+              <a:r>
+                <a:rPr lang="en-SG" sz="1200">
+                  <a:latin typeface="Consolas" panose="020B0609020204030204" pitchFamily="49" charset="0"/>
+                </a:rPr>
+                <a:t>.</a:t>
+              </a:r>
+              <a:r>
+                <a:rPr lang="en-SG" sz="1200">
+                  <a:solidFill>
+                    <a:srgbClr val="FF0000"/>
+                  </a:solidFill>
+                  <a:latin typeface="Consolas" panose="020B0609020204030204" pitchFamily="49" charset="0"/>
+                </a:rPr>
+                <a:t>endswith</a:t>
+              </a:r>
+              <a:r>
+                <a:rPr lang="en-SG" sz="1200">
+                  <a:latin typeface="Consolas" panose="020B0609020204030204" pitchFamily="49" charset="0"/>
+                </a:rPr>
+                <a:t>("d"))</a:t>
+              </a:r>
+            </a:p>
+          </p:txBody>
+        </p:sp>
+      </p:grpSp>
+      <p:sp>
+        <p:nvSpPr>
+          <p:cNvPr id="10" name="TextBox 9">
+            <a:extLst>
+              <a:ext uri="{FF2B5EF4-FFF2-40B4-BE49-F238E27FC236}">
+                <a16:creationId xmlns:a16="http://schemas.microsoft.com/office/drawing/2014/main" id="{7111F873-BFC6-A4EF-EC48-DED1A9392826}"/>
+              </a:ext>
+            </a:extLst>
+          </p:cNvPr>
+          <p:cNvSpPr txBox="1"/>
+          <p:nvPr/>
+        </p:nvSpPr>
+        <p:spPr>
+          <a:xfrm>
+            <a:off x="9383486" y="82715"/>
+            <a:ext cx="2722563" cy="369332"/>
+          </a:xfrm>
+          <a:prstGeom prst="rect">
+            <a:avLst/>
+          </a:prstGeom>
+          <a:solidFill>
+            <a:schemeClr val="accent2"/>
+          </a:solidFill>
+        </p:spPr>
+        <p:txBody>
+          <a:bodyPr wrap="square" rtlCol="0">
+            <a:spAutoFit/>
+          </a:bodyPr>
+          <a:lstStyle/>
+          <a:p>
+            <a:pPr algn="ctr"/>
+            <a:r>
+              <a:rPr lang="en-GB"/>
+              <a:t>HARD</a:t>
+            </a:r>
+            <a:endParaRPr lang="en-SG"/>
+          </a:p>
+        </p:txBody>
+      </p:sp>
+    </p:spTree>
+    <p:extLst>
+      <p:ext uri="{BB962C8B-B14F-4D97-AF65-F5344CB8AC3E}">
+        <p14:creationId xmlns:p14="http://schemas.microsoft.com/office/powerpoint/2010/main" val="3727296314"/>
+      </p:ext>
+    </p:extLst>
+  </p:cSld>
+  <p:clrMapOvr>
+    <a:masterClrMapping/>
+  </p:clrMapOvr>
+</p:sld>
+</file>
+
+<file path=ppt/slides/slide18.xml><?xml version="1.0" encoding="utf-8"?>
 <p:sld xmlns:a="http://schemas.openxmlformats.org/drawingml/2006/main" xmlns:r="http://schemas.openxmlformats.org/officeDocument/2006/relationships" xmlns:p="http://schemas.openxmlformats.org/presentationml/2006/main">
   <p:cSld>
     <p:spTree>
@@ -5282,9 +5476,7 @@
               <a:avLst/>
             </a:prstGeom>
             <a:solidFill>
-              <a:schemeClr val="bg1">
-                <a:lumMod val="95000"/>
-              </a:schemeClr>
+              <a:srgbClr val="EFEBE4"/>
             </a:solidFill>
           </p:spPr>
           <p:txBody>
@@ -5331,7 +5523,7 @@
 </p:sld>
 </file>
 
-<file path=ppt/slides/slide18.xml><?xml version="1.0" encoding="utf-8"?>
+<file path=ppt/slides/slide19.xml><?xml version="1.0" encoding="utf-8"?>
 <p:sld xmlns:a="http://schemas.openxmlformats.org/drawingml/2006/main" xmlns:r="http://schemas.openxmlformats.org/officeDocument/2006/relationships" xmlns:p="http://schemas.openxmlformats.org/presentationml/2006/main">
   <p:cSld>
     <p:spTree>
@@ -5419,9 +5611,7 @@
               <a:avLst/>
             </a:prstGeom>
             <a:solidFill>
-              <a:schemeClr val="bg1">
-                <a:lumMod val="95000"/>
-              </a:schemeClr>
+              <a:srgbClr val="EFEBE4"/>
             </a:solidFill>
           </p:spPr>
           <p:txBody>
@@ -5494,7 +5684,144 @@
 </p:sld>
 </file>
 
-<file path=ppt/slides/slide19.xml><?xml version="1.0" encoding="utf-8"?>
+<file path=ppt/slides/slide2.xml><?xml version="1.0" encoding="utf-8"?>
+<p:sld xmlns:a="http://schemas.openxmlformats.org/drawingml/2006/main" xmlns:r="http://schemas.openxmlformats.org/officeDocument/2006/relationships" xmlns:p="http://schemas.openxmlformats.org/presentationml/2006/main">
+  <p:cSld>
+    <p:spTree>
+      <p:nvGrpSpPr>
+        <p:cNvPr id="1" name=""/>
+        <p:cNvGrpSpPr/>
+        <p:nvPr/>
+      </p:nvGrpSpPr>
+      <p:grpSpPr>
+        <a:xfrm>
+          <a:off x="0" y="0"/>
+          <a:ext cx="0" cy="0"/>
+          <a:chOff x="0" y="0"/>
+          <a:chExt cx="0" cy="0"/>
+        </a:xfrm>
+      </p:grpSpPr>
+      <p:grpSp>
+        <p:nvGrpSpPr>
+          <p:cNvPr id="7" name="Group 6">
+            <a:extLst>
+              <a:ext uri="{FF2B5EF4-FFF2-40B4-BE49-F238E27FC236}">
+                <a16:creationId xmlns:a16="http://schemas.microsoft.com/office/drawing/2014/main" id="{8397A29F-1D7F-F876-E8C3-2ED88F095DC5}"/>
+              </a:ext>
+            </a:extLst>
+          </p:cNvPr>
+          <p:cNvGrpSpPr/>
+          <p:nvPr/>
+        </p:nvGrpSpPr>
+        <p:grpSpPr>
+          <a:xfrm>
+            <a:off x="2681287" y="500062"/>
+            <a:ext cx="6829425" cy="5857875"/>
+            <a:chOff x="2681287" y="500062"/>
+            <a:chExt cx="6829425" cy="5857875"/>
+          </a:xfrm>
+        </p:grpSpPr>
+        <p:pic>
+          <p:nvPicPr>
+            <p:cNvPr id="3" name="Picture 2">
+              <a:extLst>
+                <a:ext uri="{FF2B5EF4-FFF2-40B4-BE49-F238E27FC236}">
+                  <a16:creationId xmlns:a16="http://schemas.microsoft.com/office/drawing/2014/main" id="{C12E10DC-BE7F-7650-B054-D5BEB5E3EB3A}"/>
+                </a:ext>
+              </a:extLst>
+            </p:cNvPr>
+            <p:cNvPicPr>
+              <a:picLocks noChangeAspect="1"/>
+            </p:cNvPicPr>
+            <p:nvPr/>
+          </p:nvPicPr>
+          <p:blipFill>
+            <a:blip r:embed="rId2"/>
+            <a:stretch>
+              <a:fillRect/>
+            </a:stretch>
+          </p:blipFill>
+          <p:spPr>
+            <a:xfrm>
+              <a:off x="2681287" y="500062"/>
+              <a:ext cx="6829425" cy="5857875"/>
+            </a:xfrm>
+            <a:prstGeom prst="rect">
+              <a:avLst/>
+            </a:prstGeom>
+          </p:spPr>
+        </p:pic>
+        <p:sp>
+          <p:nvSpPr>
+            <p:cNvPr id="6" name="TextBox 5">
+              <a:extLst>
+                <a:ext uri="{FF2B5EF4-FFF2-40B4-BE49-F238E27FC236}">
+                  <a16:creationId xmlns:a16="http://schemas.microsoft.com/office/drawing/2014/main" id="{FF587BC5-0042-8535-FF63-FBFE7827D063}"/>
+                </a:ext>
+              </a:extLst>
+            </p:cNvPr>
+            <p:cNvSpPr txBox="1"/>
+            <p:nvPr/>
+          </p:nvSpPr>
+          <p:spPr>
+            <a:xfrm>
+              <a:off x="3133364" y="3656240"/>
+              <a:ext cx="3744685" cy="461665"/>
+            </a:xfrm>
+            <a:prstGeom prst="rect">
+              <a:avLst/>
+            </a:prstGeom>
+            <a:solidFill>
+              <a:srgbClr val="EFEBE4"/>
+            </a:solidFill>
+          </p:spPr>
+          <p:txBody>
+            <a:bodyPr wrap="square">
+              <a:spAutoFit/>
+            </a:bodyPr>
+            <a:lstStyle/>
+            <a:p>
+              <a:r>
+                <a:rPr lang="en-SG" sz="1200">
+                  <a:solidFill>
+                    <a:srgbClr val="FF0000"/>
+                  </a:solidFill>
+                  <a:latin typeface="Consolas" panose="020B0609020204030204" pitchFamily="49" charset="0"/>
+                </a:rPr>
+                <a:t>with</a:t>
+              </a:r>
+              <a:r>
+                <a:rPr lang="en-SG" sz="1200">
+                  <a:latin typeface="Consolas" panose="020B0609020204030204" pitchFamily="49" charset="0"/>
+                </a:rPr>
+                <a:t> open("data.txt", mode="r") as file:</a:t>
+              </a:r>
+            </a:p>
+            <a:p>
+              <a:r>
+                <a:rPr lang="en-SG" sz="1200">
+                  <a:latin typeface="Consolas" panose="020B0609020204030204" pitchFamily="49" charset="0"/>
+                </a:rPr>
+                <a:t>    print(file.read())</a:t>
+              </a:r>
+            </a:p>
+          </p:txBody>
+        </p:sp>
+      </p:grpSp>
+    </p:spTree>
+    <p:extLst>
+      <p:ext uri="{BB962C8B-B14F-4D97-AF65-F5344CB8AC3E}">
+        <p14:creationId xmlns:p14="http://schemas.microsoft.com/office/powerpoint/2010/main" val="240901763"/>
+      </p:ext>
+    </p:extLst>
+  </p:cSld>
+  <p:clrMapOvr>
+    <a:masterClrMapping/>
+  </p:clrMapOvr>
+</p:sld>
+</file>
+
+<file path=ppt/slides/slide20.xml><?xml version="1.0" encoding="utf-8"?>
 <p:sld xmlns:a="http://schemas.openxmlformats.org/drawingml/2006/main" xmlns:r="http://schemas.openxmlformats.org/officeDocument/2006/relationships" xmlns:p="http://schemas.openxmlformats.org/presentationml/2006/main">
   <p:cSld>
     <p:spTree>
@@ -5582,9 +5909,7 @@
               <a:avLst/>
             </a:prstGeom>
             <a:solidFill>
-              <a:schemeClr val="bg1">
-                <a:lumMod val="95000"/>
-              </a:schemeClr>
+              <a:srgbClr val="EFEBE4"/>
             </a:solidFill>
           </p:spPr>
           <p:txBody>
@@ -5638,146 +5963,7 @@
 </p:sld>
 </file>
 
-<file path=ppt/slides/slide2.xml><?xml version="1.0" encoding="utf-8"?>
-<p:sld xmlns:a="http://schemas.openxmlformats.org/drawingml/2006/main" xmlns:r="http://schemas.openxmlformats.org/officeDocument/2006/relationships" xmlns:p="http://schemas.openxmlformats.org/presentationml/2006/main">
-  <p:cSld>
-    <p:spTree>
-      <p:nvGrpSpPr>
-        <p:cNvPr id="1" name=""/>
-        <p:cNvGrpSpPr/>
-        <p:nvPr/>
-      </p:nvGrpSpPr>
-      <p:grpSpPr>
-        <a:xfrm>
-          <a:off x="0" y="0"/>
-          <a:ext cx="0" cy="0"/>
-          <a:chOff x="0" y="0"/>
-          <a:chExt cx="0" cy="0"/>
-        </a:xfrm>
-      </p:grpSpPr>
-      <p:grpSp>
-        <p:nvGrpSpPr>
-          <p:cNvPr id="7" name="Group 6">
-            <a:extLst>
-              <a:ext uri="{FF2B5EF4-FFF2-40B4-BE49-F238E27FC236}">
-                <a16:creationId xmlns:a16="http://schemas.microsoft.com/office/drawing/2014/main" id="{8397A29F-1D7F-F876-E8C3-2ED88F095DC5}"/>
-              </a:ext>
-            </a:extLst>
-          </p:cNvPr>
-          <p:cNvGrpSpPr/>
-          <p:nvPr/>
-        </p:nvGrpSpPr>
-        <p:grpSpPr>
-          <a:xfrm>
-            <a:off x="2681287" y="500062"/>
-            <a:ext cx="6829425" cy="5857875"/>
-            <a:chOff x="2681287" y="500062"/>
-            <a:chExt cx="6829425" cy="5857875"/>
-          </a:xfrm>
-        </p:grpSpPr>
-        <p:pic>
-          <p:nvPicPr>
-            <p:cNvPr id="3" name="Picture 2">
-              <a:extLst>
-                <a:ext uri="{FF2B5EF4-FFF2-40B4-BE49-F238E27FC236}">
-                  <a16:creationId xmlns:a16="http://schemas.microsoft.com/office/drawing/2014/main" id="{C12E10DC-BE7F-7650-B054-D5BEB5E3EB3A}"/>
-                </a:ext>
-              </a:extLst>
-            </p:cNvPr>
-            <p:cNvPicPr>
-              <a:picLocks noChangeAspect="1"/>
-            </p:cNvPicPr>
-            <p:nvPr/>
-          </p:nvPicPr>
-          <p:blipFill>
-            <a:blip r:embed="rId2"/>
-            <a:stretch>
-              <a:fillRect/>
-            </a:stretch>
-          </p:blipFill>
-          <p:spPr>
-            <a:xfrm>
-              <a:off x="2681287" y="500062"/>
-              <a:ext cx="6829425" cy="5857875"/>
-            </a:xfrm>
-            <a:prstGeom prst="rect">
-              <a:avLst/>
-            </a:prstGeom>
-          </p:spPr>
-        </p:pic>
-        <p:sp>
-          <p:nvSpPr>
-            <p:cNvPr id="6" name="TextBox 5">
-              <a:extLst>
-                <a:ext uri="{FF2B5EF4-FFF2-40B4-BE49-F238E27FC236}">
-                  <a16:creationId xmlns:a16="http://schemas.microsoft.com/office/drawing/2014/main" id="{FF587BC5-0042-8535-FF63-FBFE7827D063}"/>
-                </a:ext>
-              </a:extLst>
-            </p:cNvPr>
-            <p:cNvSpPr txBox="1"/>
-            <p:nvPr/>
-          </p:nvSpPr>
-          <p:spPr>
-            <a:xfrm>
-              <a:off x="3178630" y="3656240"/>
-              <a:ext cx="3744685" cy="461665"/>
-            </a:xfrm>
-            <a:prstGeom prst="rect">
-              <a:avLst/>
-            </a:prstGeom>
-            <a:solidFill>
-              <a:schemeClr val="bg1">
-                <a:lumMod val="95000"/>
-              </a:schemeClr>
-            </a:solidFill>
-          </p:spPr>
-          <p:txBody>
-            <a:bodyPr wrap="square">
-              <a:spAutoFit/>
-            </a:bodyPr>
-            <a:lstStyle/>
-            <a:p>
-              <a:r>
-                <a:rPr lang="en-SG" sz="1200">
-                  <a:solidFill>
-                    <a:srgbClr val="FF0000"/>
-                  </a:solidFill>
-                  <a:latin typeface="Consolas" panose="020B0609020204030204" pitchFamily="49" charset="0"/>
-                </a:rPr>
-                <a:t>with</a:t>
-              </a:r>
-              <a:r>
-                <a:rPr lang="en-SG" sz="1200">
-                  <a:latin typeface="Consolas" panose="020B0609020204030204" pitchFamily="49" charset="0"/>
-                </a:rPr>
-                <a:t> open("data.txt", mode="r") as file:</a:t>
-              </a:r>
-            </a:p>
-            <a:p>
-              <a:r>
-                <a:rPr lang="en-SG" sz="1200">
-                  <a:latin typeface="Consolas" panose="020B0609020204030204" pitchFamily="49" charset="0"/>
-                </a:rPr>
-                <a:t>    print(file.read())</a:t>
-              </a:r>
-            </a:p>
-          </p:txBody>
-        </p:sp>
-      </p:grpSp>
-    </p:spTree>
-    <p:extLst>
-      <p:ext uri="{BB962C8B-B14F-4D97-AF65-F5344CB8AC3E}">
-        <p14:creationId xmlns:p14="http://schemas.microsoft.com/office/powerpoint/2010/main" val="240901763"/>
-      </p:ext>
-    </p:extLst>
-  </p:cSld>
-  <p:clrMapOvr>
-    <a:masterClrMapping/>
-  </p:clrMapOvr>
-</p:sld>
-</file>
-
-<file path=ppt/slides/slide20.xml><?xml version="1.0" encoding="utf-8"?>
+<file path=ppt/slides/slide21.xml><?xml version="1.0" encoding="utf-8"?>
 <p:sld xmlns:a="http://schemas.openxmlformats.org/drawingml/2006/main" xmlns:r="http://schemas.openxmlformats.org/officeDocument/2006/relationships" xmlns:p="http://schemas.openxmlformats.org/presentationml/2006/main">
   <p:cSld>
     <p:spTree>
@@ -5865,9 +6051,7 @@
               <a:avLst/>
             </a:prstGeom>
             <a:solidFill>
-              <a:schemeClr val="bg1">
-                <a:lumMod val="95000"/>
-              </a:schemeClr>
+              <a:srgbClr val="EFEBE4"/>
             </a:solidFill>
           </p:spPr>
           <p:txBody>
@@ -5940,7 +6124,7 @@
 </p:sld>
 </file>
 
-<file path=ppt/slides/slide21.xml><?xml version="1.0" encoding="utf-8"?>
+<file path=ppt/slides/slide22.xml><?xml version="1.0" encoding="utf-8"?>
 <p:sld xmlns:a="http://schemas.openxmlformats.org/drawingml/2006/main" xmlns:r="http://schemas.openxmlformats.org/officeDocument/2006/relationships" xmlns:p="http://schemas.openxmlformats.org/presentationml/2006/main">
   <p:cSld>
     <p:spTree>
@@ -6028,9 +6212,7 @@
               <a:avLst/>
             </a:prstGeom>
             <a:solidFill>
-              <a:schemeClr val="bg1">
-                <a:lumMod val="95000"/>
-              </a:schemeClr>
+              <a:srgbClr val="EFEBE4"/>
             </a:solidFill>
           </p:spPr>
           <p:txBody>
@@ -6105,7 +6287,7 @@
 </p:sld>
 </file>
 
-<file path=ppt/slides/slide22.xml><?xml version="1.0" encoding="utf-8"?>
+<file path=ppt/slides/slide23.xml><?xml version="1.0" encoding="utf-8"?>
 <p:sld xmlns:a="http://schemas.openxmlformats.org/drawingml/2006/main" xmlns:r="http://schemas.openxmlformats.org/officeDocument/2006/relationships" xmlns:p="http://schemas.openxmlformats.org/presentationml/2006/main">
   <p:cSld>
     <p:spTree>
@@ -6187,15 +6369,13 @@
           <p:spPr>
             <a:xfrm>
               <a:off x="2951117" y="2667921"/>
-              <a:ext cx="3744685" cy="1384995"/>
+              <a:ext cx="4229427" cy="1384995"/>
             </a:xfrm>
             <a:prstGeom prst="rect">
               <a:avLst/>
             </a:prstGeom>
             <a:solidFill>
-              <a:schemeClr val="bg1">
-                <a:lumMod val="95000"/>
-              </a:schemeClr>
+              <a:srgbClr val="EFEBE4"/>
             </a:solidFill>
           </p:spPr>
           <p:txBody>
@@ -6278,7 +6458,7 @@
 </p:sld>
 </file>
 
-<file path=ppt/slides/slide23.xml><?xml version="1.0" encoding="utf-8"?>
+<file path=ppt/slides/slide24.xml><?xml version="1.0" encoding="utf-8"?>
 <p:sld xmlns:a="http://schemas.openxmlformats.org/drawingml/2006/main" xmlns:r="http://schemas.openxmlformats.org/officeDocument/2006/relationships" xmlns:p="http://schemas.openxmlformats.org/presentationml/2006/main">
   <p:cSld>
     <p:spTree>
@@ -6309,8 +6489,8 @@
         </p:nvGrpSpPr>
         <p:grpSpPr>
           <a:xfrm>
-            <a:off x="2653210" y="0"/>
-            <a:ext cx="6885579" cy="6858000"/>
+            <a:off x="2732910" y="142592"/>
+            <a:ext cx="6726180" cy="6572816"/>
             <a:chOff x="2653210" y="0"/>
             <a:chExt cx="6885579" cy="6858000"/>
           </a:xfrm>
@@ -6359,16 +6539,14 @@
           </p:nvSpPr>
           <p:spPr>
             <a:xfrm>
-              <a:off x="3068138" y="3686265"/>
-              <a:ext cx="6055722" cy="830997"/>
+              <a:off x="2977282" y="3662796"/>
+              <a:ext cx="6218898" cy="867053"/>
             </a:xfrm>
             <a:prstGeom prst="rect">
               <a:avLst/>
             </a:prstGeom>
             <a:solidFill>
-              <a:schemeClr val="bg1">
-                <a:lumMod val="95000"/>
-              </a:schemeClr>
+              <a:srgbClr val="EFEBE4"/>
             </a:solidFill>
           </p:spPr>
           <p:txBody>
@@ -6430,7 +6608,7 @@
 </p:sld>
 </file>
 
-<file path=ppt/slides/slide24.xml><?xml version="1.0" encoding="utf-8"?>
+<file path=ppt/slides/slide25.xml><?xml version="1.0" encoding="utf-8"?>
 <p:sld xmlns:a="http://schemas.openxmlformats.org/drawingml/2006/main" xmlns:r="http://schemas.openxmlformats.org/officeDocument/2006/relationships" xmlns:p="http://schemas.openxmlformats.org/presentationml/2006/main">
   <p:cSld>
     <p:spTree>
@@ -6461,8 +6639,8 @@
         </p:nvGrpSpPr>
         <p:grpSpPr>
           <a:xfrm>
-            <a:off x="2756181" y="0"/>
-            <a:ext cx="6679638" cy="6858000"/>
+            <a:off x="2829663" y="129012"/>
+            <a:ext cx="6532674" cy="6599976"/>
             <a:chOff x="2756181" y="0"/>
             <a:chExt cx="6679638" cy="6858000"/>
           </a:xfrm>
@@ -6518,9 +6696,7 @@
               <a:avLst/>
             </a:prstGeom>
             <a:solidFill>
-              <a:schemeClr val="bg1">
-                <a:lumMod val="95000"/>
-              </a:schemeClr>
+              <a:srgbClr val="EFEBE4"/>
             </a:solidFill>
           </p:spPr>
           <p:txBody>
@@ -6606,7 +6782,7 @@
 </p:sld>
 </file>
 
-<file path=ppt/slides/slide25.xml><?xml version="1.0" encoding="utf-8"?>
+<file path=ppt/slides/slide26.xml><?xml version="1.0" encoding="utf-8"?>
 <p:sld xmlns:a="http://schemas.openxmlformats.org/drawingml/2006/main" xmlns:r="http://schemas.openxmlformats.org/officeDocument/2006/relationships" xmlns:p="http://schemas.openxmlformats.org/presentationml/2006/main">
   <p:cSld>
     <p:spTree>
@@ -6637,10 +6813,10 @@
         </p:nvGrpSpPr>
         <p:grpSpPr>
           <a:xfrm>
-            <a:off x="2677844" y="106680"/>
-            <a:ext cx="6836312" cy="6644640"/>
-            <a:chOff x="2568087" y="0"/>
-            <a:chExt cx="6836312" cy="6644640"/>
+            <a:off x="2745227" y="172174"/>
+            <a:ext cx="6701546" cy="6513652"/>
+            <a:chOff x="2635470" y="65494"/>
+            <a:chExt cx="6701546" cy="6513652"/>
           </a:xfrm>
         </p:grpSpPr>
         <p:pic>
@@ -6665,8 +6841,8 @@
           </p:blipFill>
           <p:spPr>
             <a:xfrm>
-              <a:off x="2568087" y="0"/>
-              <a:ext cx="6836312" cy="6644640"/>
+              <a:off x="2635470" y="65494"/>
+              <a:ext cx="6701546" cy="6513652"/>
             </a:xfrm>
             <a:prstGeom prst="rect">
               <a:avLst/>
@@ -6687,16 +6863,14 @@
           </p:nvSpPr>
           <p:spPr>
             <a:xfrm>
-              <a:off x="2979421" y="3076665"/>
+              <a:off x="2970368" y="2995184"/>
               <a:ext cx="5514702" cy="1200329"/>
             </a:xfrm>
             <a:prstGeom prst="rect">
               <a:avLst/>
             </a:prstGeom>
             <a:solidFill>
-              <a:schemeClr val="bg1">
-                <a:lumMod val="95000"/>
-              </a:schemeClr>
+              <a:srgbClr val="EFEBE4"/>
             </a:solidFill>
           </p:spPr>
           <p:txBody>
@@ -6802,7 +6976,7 @@
 </p:sld>
 </file>
 
-<file path=ppt/slides/slide26.xml><?xml version="1.0" encoding="utf-8"?>
+<file path=ppt/slides/slide27.xml><?xml version="1.0" encoding="utf-8"?>
 <p:sld xmlns:a="http://schemas.openxmlformats.org/drawingml/2006/main" xmlns:r="http://schemas.openxmlformats.org/officeDocument/2006/relationships" xmlns:p="http://schemas.openxmlformats.org/presentationml/2006/main">
   <p:cSld>
     <p:spTree>
@@ -6890,9 +7064,7 @@
               <a:avLst/>
             </a:prstGeom>
             <a:solidFill>
-              <a:schemeClr val="bg1">
-                <a:lumMod val="95000"/>
-              </a:schemeClr>
+              <a:srgbClr val="EFEBE4"/>
             </a:solidFill>
           </p:spPr>
           <p:txBody>
@@ -6972,7 +7144,7 @@
 </p:sld>
 </file>
 
-<file path=ppt/slides/slide27.xml><?xml version="1.0" encoding="utf-8"?>
+<file path=ppt/slides/slide28.xml><?xml version="1.0" encoding="utf-8"?>
 <p:sld xmlns:a="http://schemas.openxmlformats.org/drawingml/2006/main" xmlns:r="http://schemas.openxmlformats.org/officeDocument/2006/relationships" xmlns:p="http://schemas.openxmlformats.org/presentationml/2006/main">
   <p:cSld>
     <p:spTree>
@@ -7037,6 +7209,9 @@
             <a:prstGeom prst="rect">
               <a:avLst/>
             </a:prstGeom>
+            <a:solidFill>
+              <a:srgbClr val="EFEBE4"/>
+            </a:solidFill>
           </p:spPr>
         </p:pic>
         <p:sp>
@@ -7060,9 +7235,7 @@
               <a:avLst/>
             </a:prstGeom>
             <a:solidFill>
-              <a:schemeClr val="bg1">
-                <a:lumMod val="95000"/>
-              </a:schemeClr>
+              <a:srgbClr val="EFEBE4"/>
             </a:solidFill>
           </p:spPr>
           <p:txBody>
@@ -7155,7 +7328,7 @@
 </p:sld>
 </file>
 
-<file path=ppt/slides/slide28.xml><?xml version="1.0" encoding="utf-8"?>
+<file path=ppt/slides/slide29.xml><?xml version="1.0" encoding="utf-8"?>
 <p:sld xmlns:a="http://schemas.openxmlformats.org/drawingml/2006/main" xmlns:r="http://schemas.openxmlformats.org/officeDocument/2006/relationships" xmlns:p="http://schemas.openxmlformats.org/presentationml/2006/main">
   <p:cSld>
     <p:spTree>
@@ -7243,9 +7416,7 @@
               <a:avLst/>
             </a:prstGeom>
             <a:solidFill>
-              <a:schemeClr val="bg1">
-                <a:lumMod val="95000"/>
-              </a:schemeClr>
+              <a:srgbClr val="EFEBE4"/>
             </a:solidFill>
           </p:spPr>
           <p:txBody>
@@ -7370,7 +7541,216 @@
 </p:sld>
 </file>
 
-<file path=ppt/slides/slide29.xml><?xml version="1.0" encoding="utf-8"?>
+<file path=ppt/slides/slide3.xml><?xml version="1.0" encoding="utf-8"?>
+<p:sld xmlns:a="http://schemas.openxmlformats.org/drawingml/2006/main" xmlns:r="http://schemas.openxmlformats.org/officeDocument/2006/relationships" xmlns:p="http://schemas.openxmlformats.org/presentationml/2006/main">
+  <p:cSld>
+    <p:spTree>
+      <p:nvGrpSpPr>
+        <p:cNvPr id="1" name=""/>
+        <p:cNvGrpSpPr/>
+        <p:nvPr/>
+      </p:nvGrpSpPr>
+      <p:grpSpPr>
+        <a:xfrm>
+          <a:off x="0" y="0"/>
+          <a:ext cx="0" cy="0"/>
+          <a:chOff x="0" y="0"/>
+          <a:chExt cx="0" cy="0"/>
+        </a:xfrm>
+      </p:grpSpPr>
+      <p:grpSp>
+        <p:nvGrpSpPr>
+          <p:cNvPr id="6" name="Group 5">
+            <a:extLst>
+              <a:ext uri="{FF2B5EF4-FFF2-40B4-BE49-F238E27FC236}">
+                <a16:creationId xmlns:a16="http://schemas.microsoft.com/office/drawing/2014/main" id="{344CB26E-DE04-D42F-7273-9B27FDEF875B}"/>
+              </a:ext>
+            </a:extLst>
+          </p:cNvPr>
+          <p:cNvGrpSpPr/>
+          <p:nvPr/>
+        </p:nvGrpSpPr>
+        <p:grpSpPr>
+          <a:xfrm>
+            <a:off x="3003258" y="0"/>
+            <a:ext cx="6185484" cy="6858000"/>
+            <a:chOff x="3003258" y="0"/>
+            <a:chExt cx="6185484" cy="6858000"/>
+          </a:xfrm>
+        </p:grpSpPr>
+        <p:pic>
+          <p:nvPicPr>
+            <p:cNvPr id="3" name="Picture 2">
+              <a:extLst>
+                <a:ext uri="{FF2B5EF4-FFF2-40B4-BE49-F238E27FC236}">
+                  <a16:creationId xmlns:a16="http://schemas.microsoft.com/office/drawing/2014/main" id="{5408DCFF-1705-E7EB-5DB1-DCDA53307A45}"/>
+                </a:ext>
+              </a:extLst>
+            </p:cNvPr>
+            <p:cNvPicPr>
+              <a:picLocks noChangeAspect="1"/>
+            </p:cNvPicPr>
+            <p:nvPr/>
+          </p:nvPicPr>
+          <p:blipFill>
+            <a:blip r:embed="rId2"/>
+            <a:stretch>
+              <a:fillRect/>
+            </a:stretch>
+          </p:blipFill>
+          <p:spPr>
+            <a:xfrm>
+              <a:off x="3003258" y="0"/>
+              <a:ext cx="6185484" cy="6858000"/>
+            </a:xfrm>
+            <a:prstGeom prst="rect">
+              <a:avLst/>
+            </a:prstGeom>
+          </p:spPr>
+        </p:pic>
+        <p:sp>
+          <p:nvSpPr>
+            <p:cNvPr id="4" name="TextBox 3">
+              <a:extLst>
+                <a:ext uri="{FF2B5EF4-FFF2-40B4-BE49-F238E27FC236}">
+                  <a16:creationId xmlns:a16="http://schemas.microsoft.com/office/drawing/2014/main" id="{DC2FCFDE-000B-07E5-D334-06A1B9FA0EF8}"/>
+                </a:ext>
+              </a:extLst>
+            </p:cNvPr>
+            <p:cNvSpPr txBox="1"/>
+            <p:nvPr/>
+          </p:nvSpPr>
+          <p:spPr>
+            <a:xfrm>
+              <a:off x="3351599" y="2857955"/>
+              <a:ext cx="3744685" cy="2123658"/>
+            </a:xfrm>
+            <a:prstGeom prst="rect">
+              <a:avLst/>
+            </a:prstGeom>
+            <a:solidFill>
+              <a:srgbClr val="EFEBE4"/>
+            </a:solidFill>
+          </p:spPr>
+          <p:txBody>
+            <a:bodyPr wrap="square">
+              <a:spAutoFit/>
+            </a:bodyPr>
+            <a:lstStyle/>
+            <a:p>
+              <a:r>
+                <a:rPr lang="en-SG" sz="1200">
+                  <a:latin typeface="Consolas" panose="020B0609020204030204" pitchFamily="49" charset="0"/>
+                </a:rPr>
+                <a:t>import pandas as pd</a:t>
+              </a:r>
+            </a:p>
+            <a:p>
+              <a:r>
+                <a:rPr lang="en-SG" sz="1200">
+                  <a:latin typeface="Consolas" panose="020B0609020204030204" pitchFamily="49" charset="0"/>
+                </a:rPr>
+                <a:t>import numpy as np</a:t>
+              </a:r>
+            </a:p>
+            <a:p>
+              <a:endParaRPr lang="en-SG" sz="1200">
+                <a:latin typeface="Consolas" panose="020B0609020204030204" pitchFamily="49" charset="0"/>
+              </a:endParaRPr>
+            </a:p>
+            <a:p>
+              <a:r>
+                <a:rPr lang="en-SG" sz="1200">
+                  <a:latin typeface="Consolas" panose="020B0609020204030204" pitchFamily="49" charset="0"/>
+                </a:rPr>
+                <a:t>df = pd.pivot_table(</a:t>
+              </a:r>
+            </a:p>
+            <a:p>
+              <a:r>
+                <a:rPr lang="en-SG" sz="1200">
+                  <a:latin typeface="Consolas" panose="020B0609020204030204" pitchFamily="49" charset="0"/>
+                </a:rPr>
+                <a:t>	restaurant,</a:t>
+              </a:r>
+            </a:p>
+            <a:p>
+              <a:r>
+                <a:rPr lang="en-SG" sz="1200">
+                  <a:latin typeface="Consolas" panose="020B0609020204030204" pitchFamily="49" charset="0"/>
+                </a:rPr>
+                <a:t>    values = ['price', 'rating'],</a:t>
+              </a:r>
+            </a:p>
+            <a:p>
+              <a:r>
+                <a:rPr lang="en-SG" sz="1200">
+                  <a:latin typeface="Consolas" panose="020B0609020204030204" pitchFamily="49" charset="0"/>
+                </a:rPr>
+                <a:t>    index = 'cuisine',</a:t>
+              </a:r>
+            </a:p>
+            <a:p>
+              <a:r>
+                <a:rPr lang="en-SG" sz="1200">
+                  <a:latin typeface="Consolas" panose="020B0609020204030204" pitchFamily="49" charset="0"/>
+                </a:rPr>
+                <a:t>    </a:t>
+              </a:r>
+              <a:r>
+                <a:rPr lang="en-SG" sz="1200">
+                  <a:solidFill>
+                    <a:srgbClr val="FF0000"/>
+                  </a:solidFill>
+                  <a:latin typeface="Consolas" panose="020B0609020204030204" pitchFamily="49" charset="0"/>
+                </a:rPr>
+                <a:t>aggfunc</a:t>
+              </a:r>
+              <a:r>
+                <a:rPr lang="en-SG" sz="1200">
+                  <a:latin typeface="Consolas" panose="020B0609020204030204" pitchFamily="49" charset="0"/>
+                </a:rPr>
+                <a:t> = np.mean</a:t>
+              </a:r>
+            </a:p>
+            <a:p>
+              <a:r>
+                <a:rPr lang="en-SG" sz="1200">
+                  <a:latin typeface="Consolas" panose="020B0609020204030204" pitchFamily="49" charset="0"/>
+                </a:rPr>
+                <a:t>)</a:t>
+              </a:r>
+            </a:p>
+            <a:p>
+              <a:endParaRPr lang="en-SG" sz="1200">
+                <a:latin typeface="Consolas" panose="020B0609020204030204" pitchFamily="49" charset="0"/>
+              </a:endParaRPr>
+            </a:p>
+            <a:p>
+              <a:r>
+                <a:rPr lang="en-SG" sz="1200">
+                  <a:latin typeface="Consolas" panose="020B0609020204030204" pitchFamily="49" charset="0"/>
+                </a:rPr>
+                <a:t>print(df)</a:t>
+              </a:r>
+            </a:p>
+          </p:txBody>
+        </p:sp>
+      </p:grpSp>
+    </p:spTree>
+    <p:extLst>
+      <p:ext uri="{BB962C8B-B14F-4D97-AF65-F5344CB8AC3E}">
+        <p14:creationId xmlns:p14="http://schemas.microsoft.com/office/powerpoint/2010/main" val="1985569788"/>
+      </p:ext>
+    </p:extLst>
+  </p:cSld>
+  <p:clrMapOvr>
+    <a:masterClrMapping/>
+  </p:clrMapOvr>
+</p:sld>
+</file>
+
+<file path=ppt/slides/slide30.xml><?xml version="1.0" encoding="utf-8"?>
 <p:sld xmlns:a="http://schemas.openxmlformats.org/drawingml/2006/main" xmlns:r="http://schemas.openxmlformats.org/officeDocument/2006/relationships" xmlns:p="http://schemas.openxmlformats.org/presentationml/2006/main">
   <p:cSld>
     <p:spTree>
@@ -7458,9 +7838,7 @@
               <a:avLst/>
             </a:prstGeom>
             <a:solidFill>
-              <a:schemeClr val="bg1">
-                <a:lumMod val="95000"/>
-              </a:schemeClr>
+              <a:srgbClr val="EFEBE4"/>
             </a:solidFill>
           </p:spPr>
           <p:txBody>
@@ -7550,247 +7928,6 @@
     <p:extLst>
       <p:ext uri="{BB962C8B-B14F-4D97-AF65-F5344CB8AC3E}">
         <p14:creationId xmlns:p14="http://schemas.microsoft.com/office/powerpoint/2010/main" val="1783813812"/>
-      </p:ext>
-    </p:extLst>
-  </p:cSld>
-  <p:clrMapOvr>
-    <a:masterClrMapping/>
-  </p:clrMapOvr>
-</p:sld>
-</file>
-
-<file path=ppt/slides/slide3.xml><?xml version="1.0" encoding="utf-8"?>
-<p:sld xmlns:a="http://schemas.openxmlformats.org/drawingml/2006/main" xmlns:r="http://schemas.openxmlformats.org/officeDocument/2006/relationships" xmlns:p="http://schemas.openxmlformats.org/presentationml/2006/main">
-  <p:cSld>
-    <p:spTree>
-      <p:nvGrpSpPr>
-        <p:cNvPr id="1" name=""/>
-        <p:cNvGrpSpPr/>
-        <p:nvPr/>
-      </p:nvGrpSpPr>
-      <p:grpSpPr>
-        <a:xfrm>
-          <a:off x="0" y="0"/>
-          <a:ext cx="0" cy="0"/>
-          <a:chOff x="0" y="0"/>
-          <a:chExt cx="0" cy="0"/>
-        </a:xfrm>
-      </p:grpSpPr>
-      <p:grpSp>
-        <p:nvGrpSpPr>
-          <p:cNvPr id="6" name="Group 5">
-            <a:extLst>
-              <a:ext uri="{FF2B5EF4-FFF2-40B4-BE49-F238E27FC236}">
-                <a16:creationId xmlns:a16="http://schemas.microsoft.com/office/drawing/2014/main" id="{344CB26E-DE04-D42F-7273-9B27FDEF875B}"/>
-              </a:ext>
-            </a:extLst>
-          </p:cNvPr>
-          <p:cNvGrpSpPr/>
-          <p:nvPr/>
-        </p:nvGrpSpPr>
-        <p:grpSpPr>
-          <a:xfrm>
-            <a:off x="3003258" y="0"/>
-            <a:ext cx="6185484" cy="6858000"/>
-            <a:chOff x="3003258" y="0"/>
-            <a:chExt cx="6185484" cy="6858000"/>
-          </a:xfrm>
-        </p:grpSpPr>
-        <p:pic>
-          <p:nvPicPr>
-            <p:cNvPr id="3" name="Picture 2">
-              <a:extLst>
-                <a:ext uri="{FF2B5EF4-FFF2-40B4-BE49-F238E27FC236}">
-                  <a16:creationId xmlns:a16="http://schemas.microsoft.com/office/drawing/2014/main" id="{5408DCFF-1705-E7EB-5DB1-DCDA53307A45}"/>
-                </a:ext>
-              </a:extLst>
-            </p:cNvPr>
-            <p:cNvPicPr>
-              <a:picLocks noChangeAspect="1"/>
-            </p:cNvPicPr>
-            <p:nvPr/>
-          </p:nvPicPr>
-          <p:blipFill>
-            <a:blip r:embed="rId2"/>
-            <a:stretch>
-              <a:fillRect/>
-            </a:stretch>
-          </p:blipFill>
-          <p:spPr>
-            <a:xfrm>
-              <a:off x="3003258" y="0"/>
-              <a:ext cx="6185484" cy="6858000"/>
-            </a:xfrm>
-            <a:prstGeom prst="rect">
-              <a:avLst/>
-            </a:prstGeom>
-          </p:spPr>
-        </p:pic>
-        <p:sp>
-          <p:nvSpPr>
-            <p:cNvPr id="4" name="TextBox 3">
-              <a:extLst>
-                <a:ext uri="{FF2B5EF4-FFF2-40B4-BE49-F238E27FC236}">
-                  <a16:creationId xmlns:a16="http://schemas.microsoft.com/office/drawing/2014/main" id="{DC2FCFDE-000B-07E5-D334-06A1B9FA0EF8}"/>
-                </a:ext>
-              </a:extLst>
-            </p:cNvPr>
-            <p:cNvSpPr txBox="1"/>
-            <p:nvPr/>
-          </p:nvSpPr>
-          <p:spPr>
-            <a:xfrm>
-              <a:off x="3351599" y="2857955"/>
-              <a:ext cx="3744685" cy="2123658"/>
-            </a:xfrm>
-            <a:prstGeom prst="rect">
-              <a:avLst/>
-            </a:prstGeom>
-            <a:solidFill>
-              <a:schemeClr val="bg1">
-                <a:lumMod val="95000"/>
-              </a:schemeClr>
-            </a:solidFill>
-          </p:spPr>
-          <p:txBody>
-            <a:bodyPr wrap="square">
-              <a:spAutoFit/>
-            </a:bodyPr>
-            <a:lstStyle/>
-            <a:p>
-              <a:r>
-                <a:rPr lang="en-SG" sz="1200">
-                  <a:latin typeface="Consolas" panose="020B0609020204030204" pitchFamily="49" charset="0"/>
-                </a:rPr>
-                <a:t>import pandas as pd</a:t>
-              </a:r>
-            </a:p>
-            <a:p>
-              <a:r>
-                <a:rPr lang="en-SG" sz="1200">
-                  <a:latin typeface="Consolas" panose="020B0609020204030204" pitchFamily="49" charset="0"/>
-                </a:rPr>
-                <a:t>import numpy as np</a:t>
-              </a:r>
-            </a:p>
-            <a:p>
-              <a:endParaRPr lang="en-SG" sz="1200">
-                <a:latin typeface="Consolas" panose="020B0609020204030204" pitchFamily="49" charset="0"/>
-              </a:endParaRPr>
-            </a:p>
-            <a:p>
-              <a:r>
-                <a:rPr lang="en-SG" sz="1200">
-                  <a:latin typeface="Consolas" panose="020B0609020204030204" pitchFamily="49" charset="0"/>
-                </a:rPr>
-                <a:t>df = pd.pivot_table(</a:t>
-              </a:r>
-            </a:p>
-            <a:p>
-              <a:r>
-                <a:rPr lang="en-SG" sz="1200">
-                  <a:latin typeface="Consolas" panose="020B0609020204030204" pitchFamily="49" charset="0"/>
-                </a:rPr>
-                <a:t>	restaurant,</a:t>
-              </a:r>
-            </a:p>
-            <a:p>
-              <a:r>
-                <a:rPr lang="en-SG" sz="1200">
-                  <a:latin typeface="Consolas" panose="020B0609020204030204" pitchFamily="49" charset="0"/>
-                </a:rPr>
-                <a:t>    values = ['price', 'rating'],</a:t>
-              </a:r>
-            </a:p>
-            <a:p>
-              <a:r>
-                <a:rPr lang="en-SG" sz="1200">
-                  <a:latin typeface="Consolas" panose="020B0609020204030204" pitchFamily="49" charset="0"/>
-                </a:rPr>
-                <a:t>    index = 'cuisine',</a:t>
-              </a:r>
-            </a:p>
-            <a:p>
-              <a:r>
-                <a:rPr lang="en-SG" sz="1200">
-                  <a:latin typeface="Consolas" panose="020B0609020204030204" pitchFamily="49" charset="0"/>
-                </a:rPr>
-                <a:t>    </a:t>
-              </a:r>
-              <a:r>
-                <a:rPr lang="en-SG" sz="1200">
-                  <a:solidFill>
-                    <a:srgbClr val="FF0000"/>
-                  </a:solidFill>
-                  <a:latin typeface="Consolas" panose="020B0609020204030204" pitchFamily="49" charset="0"/>
-                </a:rPr>
-                <a:t>aggfunc</a:t>
-              </a:r>
-              <a:r>
-                <a:rPr lang="en-SG" sz="1200">
-                  <a:latin typeface="Consolas" panose="020B0609020204030204" pitchFamily="49" charset="0"/>
-                </a:rPr>
-                <a:t> = np.mean</a:t>
-              </a:r>
-            </a:p>
-            <a:p>
-              <a:r>
-                <a:rPr lang="en-SG" sz="1200">
-                  <a:latin typeface="Consolas" panose="020B0609020204030204" pitchFamily="49" charset="0"/>
-                </a:rPr>
-                <a:t>)</a:t>
-              </a:r>
-            </a:p>
-            <a:p>
-              <a:endParaRPr lang="en-SG" sz="1200">
-                <a:latin typeface="Consolas" panose="020B0609020204030204" pitchFamily="49" charset="0"/>
-              </a:endParaRPr>
-            </a:p>
-            <a:p>
-              <a:r>
-                <a:rPr lang="en-SG" sz="1200">
-                  <a:latin typeface="Consolas" panose="020B0609020204030204" pitchFamily="49" charset="0"/>
-                </a:rPr>
-                <a:t>print(df)</a:t>
-              </a:r>
-            </a:p>
-          </p:txBody>
-        </p:sp>
-      </p:grpSp>
-    </p:spTree>
-    <p:extLst>
-      <p:ext uri="{BB962C8B-B14F-4D97-AF65-F5344CB8AC3E}">
-        <p14:creationId xmlns:p14="http://schemas.microsoft.com/office/powerpoint/2010/main" val="1985569788"/>
-      </p:ext>
-    </p:extLst>
-  </p:cSld>
-  <p:clrMapOvr>
-    <a:masterClrMapping/>
-  </p:clrMapOvr>
-</p:sld>
-</file>
-
-<file path=ppt/slides/slide30.xml><?xml version="1.0" encoding="utf-8"?>
-<p:sld xmlns:a="http://schemas.openxmlformats.org/drawingml/2006/main" xmlns:r="http://schemas.openxmlformats.org/officeDocument/2006/relationships" xmlns:p="http://schemas.openxmlformats.org/presentationml/2006/main">
-  <p:cSld>
-    <p:spTree>
-      <p:nvGrpSpPr>
-        <p:cNvPr id="1" name=""/>
-        <p:cNvGrpSpPr/>
-        <p:nvPr/>
-      </p:nvGrpSpPr>
-      <p:grpSpPr>
-        <a:xfrm>
-          <a:off x="0" y="0"/>
-          <a:ext cx="0" cy="0"/>
-          <a:chOff x="0" y="0"/>
-          <a:chExt cx="0" cy="0"/>
-        </a:xfrm>
-      </p:grpSpPr>
-    </p:spTree>
-    <p:extLst>
-      <p:ext uri="{BB962C8B-B14F-4D97-AF65-F5344CB8AC3E}">
-        <p14:creationId xmlns:p14="http://schemas.microsoft.com/office/powerpoint/2010/main" val="2314952950"/>
       </p:ext>
     </p:extLst>
   </p:cSld>
@@ -7817,10 +7954,203 @@
           <a:chExt cx="0" cy="0"/>
         </a:xfrm>
       </p:grpSpPr>
+      <p:grpSp>
+        <p:nvGrpSpPr>
+          <p:cNvPr id="6" name="Group 5">
+            <a:extLst>
+              <a:ext uri="{FF2B5EF4-FFF2-40B4-BE49-F238E27FC236}">
+                <a16:creationId xmlns:a16="http://schemas.microsoft.com/office/drawing/2014/main" id="{C738D989-5CF6-1BC9-5239-7697BC9B2622}"/>
+              </a:ext>
+            </a:extLst>
+          </p:cNvPr>
+          <p:cNvGrpSpPr/>
+          <p:nvPr/>
+        </p:nvGrpSpPr>
+        <p:grpSpPr>
+          <a:xfrm>
+            <a:off x="2867025" y="1081087"/>
+            <a:ext cx="6457950" cy="4695825"/>
+            <a:chOff x="2867025" y="1081087"/>
+            <a:chExt cx="6457950" cy="4695825"/>
+          </a:xfrm>
+        </p:grpSpPr>
+        <p:pic>
+          <p:nvPicPr>
+            <p:cNvPr id="3" name="Picture 2">
+              <a:extLst>
+                <a:ext uri="{FF2B5EF4-FFF2-40B4-BE49-F238E27FC236}">
+                  <a16:creationId xmlns:a16="http://schemas.microsoft.com/office/drawing/2014/main" id="{4C6BB137-1DB0-6BB5-4EEC-9BB882F6772F}"/>
+                </a:ext>
+              </a:extLst>
+            </p:cNvPr>
+            <p:cNvPicPr>
+              <a:picLocks noChangeAspect="1"/>
+            </p:cNvPicPr>
+            <p:nvPr/>
+          </p:nvPicPr>
+          <p:blipFill>
+            <a:blip r:embed="rId2"/>
+            <a:stretch>
+              <a:fillRect/>
+            </a:stretch>
+          </p:blipFill>
+          <p:spPr>
+            <a:xfrm>
+              <a:off x="2867025" y="1081087"/>
+              <a:ext cx="6457950" cy="4695825"/>
+            </a:xfrm>
+            <a:prstGeom prst="rect">
+              <a:avLst/>
+            </a:prstGeom>
+          </p:spPr>
+        </p:pic>
+        <p:sp>
+          <p:nvSpPr>
+            <p:cNvPr id="4" name="TextBox 3">
+              <a:extLst>
+                <a:ext uri="{FF2B5EF4-FFF2-40B4-BE49-F238E27FC236}">
+                  <a16:creationId xmlns:a16="http://schemas.microsoft.com/office/drawing/2014/main" id="{15889569-5D85-E3B2-7B5C-4688D28FD192}"/>
+                </a:ext>
+              </a:extLst>
+            </p:cNvPr>
+            <p:cNvSpPr txBox="1"/>
+            <p:nvPr/>
+          </p:nvSpPr>
+          <p:spPr>
+            <a:xfrm>
+              <a:off x="3271610" y="2224580"/>
+              <a:ext cx="4242766" cy="1200329"/>
+            </a:xfrm>
+            <a:prstGeom prst="rect">
+              <a:avLst/>
+            </a:prstGeom>
+            <a:solidFill>
+              <a:srgbClr val="EFEBE4"/>
+            </a:solidFill>
+          </p:spPr>
+          <p:txBody>
+            <a:bodyPr wrap="square">
+              <a:spAutoFit/>
+            </a:bodyPr>
+            <a:lstStyle/>
+            <a:p>
+              <a:r>
+                <a:rPr lang="en-SG" sz="1200">
+                  <a:latin typeface="Consolas" panose="020B0609020204030204" pitchFamily="49" charset="0"/>
+                </a:rPr>
+                <a:t>import numpy as np</a:t>
+              </a:r>
+            </a:p>
+            <a:p>
+              <a:r>
+                <a:rPr lang="en-SG" sz="1200">
+                  <a:latin typeface="Consolas" panose="020B0609020204030204" pitchFamily="49" charset="0"/>
+                </a:rPr>
+                <a:t>import pandas as pd</a:t>
+              </a:r>
+            </a:p>
+            <a:p>
+              <a:endParaRPr lang="en-SG" sz="1200">
+                <a:latin typeface="Consolas" panose="020B0609020204030204" pitchFamily="49" charset="0"/>
+              </a:endParaRPr>
+            </a:p>
+            <a:p>
+              <a:r>
+                <a:rPr lang="en-SG" sz="1200">
+                  <a:latin typeface="Consolas" panose="020B0609020204030204" pitchFamily="49" charset="0"/>
+                </a:rPr>
+                <a:t>data = pd.Series([1, 2, np.nan, 4, np.nan])</a:t>
+              </a:r>
+            </a:p>
+            <a:p>
+              <a:r>
+                <a:rPr lang="en-SG" sz="1200">
+                  <a:latin typeface="Consolas" panose="020B0609020204030204" pitchFamily="49" charset="0"/>
+                </a:rPr>
+                <a:t>print(data.</a:t>
+              </a:r>
+              <a:r>
+                <a:rPr lang="en-SG" sz="1200">
+                  <a:solidFill>
+                    <a:srgbClr val="FF0000"/>
+                  </a:solidFill>
+                  <a:latin typeface="Consolas" panose="020B0609020204030204" pitchFamily="49" charset="0"/>
+                </a:rPr>
+                <a:t>fillna</a:t>
+              </a:r>
+              <a:r>
+                <a:rPr lang="en-SG" sz="1200">
+                  <a:latin typeface="Consolas" panose="020B0609020204030204" pitchFamily="49" charset="0"/>
+                </a:rPr>
+                <a:t>(method = </a:t>
+              </a:r>
+              <a:r>
+                <a:rPr lang="en-SG" sz="1200">
+                  <a:solidFill>
+                    <a:srgbClr val="FF0000"/>
+                  </a:solidFill>
+                  <a:latin typeface="Consolas" panose="020B0609020204030204" pitchFamily="49" charset="0"/>
+                </a:rPr>
+                <a:t>'ffill'</a:t>
+              </a:r>
+              <a:r>
+                <a:rPr lang="en-SG" sz="1200">
+                  <a:latin typeface="Consolas" panose="020B0609020204030204" pitchFamily="49" charset="0"/>
+                </a:rPr>
+                <a:t>))</a:t>
+              </a:r>
+            </a:p>
+            <a:p>
+              <a:endParaRPr lang="en-SG" sz="1200">
+                <a:latin typeface="Consolas" panose="020B0609020204030204" pitchFamily="49" charset="0"/>
+              </a:endParaRPr>
+            </a:p>
+          </p:txBody>
+        </p:sp>
+      </p:grpSp>
+      <p:sp>
+        <p:nvSpPr>
+          <p:cNvPr id="7" name="TextBox 6">
+            <a:extLst>
+              <a:ext uri="{FF2B5EF4-FFF2-40B4-BE49-F238E27FC236}">
+                <a16:creationId xmlns:a16="http://schemas.microsoft.com/office/drawing/2014/main" id="{C725C21E-EE55-D798-E6C5-78C3B109E865}"/>
+              </a:ext>
+            </a:extLst>
+          </p:cNvPr>
+          <p:cNvSpPr txBox="1"/>
+          <p:nvPr/>
+        </p:nvSpPr>
+        <p:spPr>
+          <a:xfrm>
+            <a:off x="9383486" y="82715"/>
+            <a:ext cx="2722563" cy="369332"/>
+          </a:xfrm>
+          <a:prstGeom prst="rect">
+            <a:avLst/>
+          </a:prstGeom>
+          <a:solidFill>
+            <a:schemeClr val="accent2"/>
+          </a:solidFill>
+        </p:spPr>
+        <p:txBody>
+          <a:bodyPr wrap="square" rtlCol="0">
+            <a:spAutoFit/>
+          </a:bodyPr>
+          <a:lstStyle/>
+          <a:p>
+            <a:pPr algn="ctr"/>
+            <a:r>
+              <a:rPr lang="en-GB"/>
+              <a:t>HARD</a:t>
+            </a:r>
+            <a:endParaRPr lang="en-SG"/>
+          </a:p>
+        </p:txBody>
+      </p:sp>
     </p:spTree>
     <p:extLst>
       <p:ext uri="{BB962C8B-B14F-4D97-AF65-F5344CB8AC3E}">
-        <p14:creationId xmlns:p14="http://schemas.microsoft.com/office/powerpoint/2010/main" val="3501865659"/>
+        <p14:creationId xmlns:p14="http://schemas.microsoft.com/office/powerpoint/2010/main" val="2314952950"/>
       </p:ext>
     </p:extLst>
   </p:cSld>
@@ -7847,10 +8177,231 @@
           <a:chExt cx="0" cy="0"/>
         </a:xfrm>
       </p:grpSpPr>
+      <p:grpSp>
+        <p:nvGrpSpPr>
+          <p:cNvPr id="6" name="Group 5">
+            <a:extLst>
+              <a:ext uri="{FF2B5EF4-FFF2-40B4-BE49-F238E27FC236}">
+                <a16:creationId xmlns:a16="http://schemas.microsoft.com/office/drawing/2014/main" id="{70EE2D2C-597C-13E9-9E79-9C19CD106ED1}"/>
+              </a:ext>
+            </a:extLst>
+          </p:cNvPr>
+          <p:cNvGrpSpPr/>
+          <p:nvPr/>
+        </p:nvGrpSpPr>
+        <p:grpSpPr>
+          <a:xfrm>
+            <a:off x="2765161" y="165225"/>
+            <a:ext cx="6661677" cy="6527549"/>
+            <a:chOff x="2765161" y="165225"/>
+            <a:chExt cx="6661677" cy="6527549"/>
+          </a:xfrm>
+        </p:grpSpPr>
+        <p:pic>
+          <p:nvPicPr>
+            <p:cNvPr id="3" name="Picture 2">
+              <a:extLst>
+                <a:ext uri="{FF2B5EF4-FFF2-40B4-BE49-F238E27FC236}">
+                  <a16:creationId xmlns:a16="http://schemas.microsoft.com/office/drawing/2014/main" id="{BEB07632-ED23-9645-89AE-639ECDB18349}"/>
+                </a:ext>
+              </a:extLst>
+            </p:cNvPr>
+            <p:cNvPicPr>
+              <a:picLocks noChangeAspect="1"/>
+            </p:cNvPicPr>
+            <p:nvPr/>
+          </p:nvPicPr>
+          <p:blipFill>
+            <a:blip r:embed="rId2"/>
+            <a:stretch>
+              <a:fillRect/>
+            </a:stretch>
+          </p:blipFill>
+          <p:spPr>
+            <a:xfrm>
+              <a:off x="2765161" y="165225"/>
+              <a:ext cx="6661677" cy="6527549"/>
+            </a:xfrm>
+            <a:prstGeom prst="rect">
+              <a:avLst/>
+            </a:prstGeom>
+          </p:spPr>
+        </p:pic>
+        <p:sp>
+          <p:nvSpPr>
+            <p:cNvPr id="4" name="TextBox 3">
+              <a:extLst>
+                <a:ext uri="{FF2B5EF4-FFF2-40B4-BE49-F238E27FC236}">
+                  <a16:creationId xmlns:a16="http://schemas.microsoft.com/office/drawing/2014/main" id="{A706AE52-9AA4-E529-69B8-F323785BB77B}"/>
+                </a:ext>
+              </a:extLst>
+            </p:cNvPr>
+            <p:cNvSpPr txBox="1"/>
+            <p:nvPr/>
+          </p:nvSpPr>
+          <p:spPr>
+            <a:xfrm>
+              <a:off x="3108646" y="3473963"/>
+              <a:ext cx="4432889" cy="1200329"/>
+            </a:xfrm>
+            <a:prstGeom prst="rect">
+              <a:avLst/>
+            </a:prstGeom>
+            <a:solidFill>
+              <a:srgbClr val="EFEBE4"/>
+            </a:solidFill>
+          </p:spPr>
+          <p:txBody>
+            <a:bodyPr wrap="square">
+              <a:spAutoFit/>
+            </a:bodyPr>
+            <a:lstStyle/>
+            <a:p>
+              <a:r>
+                <a:rPr lang="en-SG" sz="1200">
+                  <a:latin typeface="Consolas" panose="020B0609020204030204" pitchFamily="49" charset="0"/>
+                </a:rPr>
+                <a:t>import pandas as pd</a:t>
+              </a:r>
+            </a:p>
+            <a:p>
+              <a:endParaRPr lang="en-SG" sz="1200">
+                <a:latin typeface="Consolas" panose="020B0609020204030204" pitchFamily="49" charset="0"/>
+              </a:endParaRPr>
+            </a:p>
+            <a:p>
+              <a:r>
+                <a:rPr lang="en-SG" sz="1200">
+                  <a:latin typeface="Consolas" panose="020B0609020204030204" pitchFamily="49" charset="0"/>
+                </a:rPr>
+                <a:t>times_no_missing = </a:t>
+              </a:r>
+              <a:r>
+                <a:rPr lang="en-SG" sz="1200">
+                  <a:solidFill>
+                    <a:srgbClr val="FF0000"/>
+                  </a:solidFill>
+                  <a:latin typeface="Consolas" panose="020B0609020204030204" pitchFamily="49" charset="0"/>
+                </a:rPr>
+                <a:t>times.fillna(method='ffill')</a:t>
+              </a:r>
+            </a:p>
+            <a:p>
+              <a:endParaRPr lang="en-SG" sz="1200">
+                <a:latin typeface="Consolas" panose="020B0609020204030204" pitchFamily="49" charset="0"/>
+              </a:endParaRPr>
+            </a:p>
+            <a:p>
+              <a:r>
+                <a:rPr lang="en-SG" sz="1200">
+                  <a:latin typeface="Consolas" panose="020B0609020204030204" pitchFamily="49" charset="0"/>
+                </a:rPr>
+                <a:t>print(times_no_missing.head(n = 4))</a:t>
+              </a:r>
+            </a:p>
+            <a:p>
+              <a:endParaRPr lang="en-SG" sz="1200">
+                <a:latin typeface="Consolas" panose="020B0609020204030204" pitchFamily="49" charset="0"/>
+              </a:endParaRPr>
+            </a:p>
+          </p:txBody>
+        </p:sp>
+      </p:grpSp>
+      <p:sp>
+        <p:nvSpPr>
+          <p:cNvPr id="7" name="TextBox 6">
+            <a:extLst>
+              <a:ext uri="{FF2B5EF4-FFF2-40B4-BE49-F238E27FC236}">
+                <a16:creationId xmlns:a16="http://schemas.microsoft.com/office/drawing/2014/main" id="{088BDB8B-F122-2A36-AD12-B80C9C59283E}"/>
+              </a:ext>
+            </a:extLst>
+          </p:cNvPr>
+          <p:cNvSpPr txBox="1"/>
+          <p:nvPr/>
+        </p:nvSpPr>
+        <p:spPr>
+          <a:xfrm>
+            <a:off x="9383486" y="82715"/>
+            <a:ext cx="2722563" cy="369332"/>
+          </a:xfrm>
+          <a:prstGeom prst="rect">
+            <a:avLst/>
+          </a:prstGeom>
+          <a:solidFill>
+            <a:schemeClr val="accent2"/>
+          </a:solidFill>
+        </p:spPr>
+        <p:txBody>
+          <a:bodyPr wrap="square" rtlCol="0">
+            <a:spAutoFit/>
+          </a:bodyPr>
+          <a:lstStyle/>
+          <a:p>
+            <a:pPr algn="ctr"/>
+            <a:r>
+              <a:rPr lang="en-GB"/>
+              <a:t>HARD</a:t>
+            </a:r>
+            <a:endParaRPr lang="en-SG"/>
+          </a:p>
+        </p:txBody>
+      </p:sp>
+      <p:sp>
+        <p:nvSpPr>
+          <p:cNvPr id="8" name="Rectangle 7">
+            <a:extLst>
+              <a:ext uri="{FF2B5EF4-FFF2-40B4-BE49-F238E27FC236}">
+                <a16:creationId xmlns:a16="http://schemas.microsoft.com/office/drawing/2014/main" id="{333335F9-D8FB-9B64-4890-8498C7E70977}"/>
+              </a:ext>
+            </a:extLst>
+          </p:cNvPr>
+          <p:cNvSpPr/>
+          <p:nvPr/>
+        </p:nvSpPr>
+        <p:spPr>
+          <a:xfrm>
+            <a:off x="2951430" y="1493822"/>
+            <a:ext cx="534154" cy="244443"/>
+          </a:xfrm>
+          <a:prstGeom prst="rect">
+            <a:avLst/>
+          </a:prstGeom>
+          <a:noFill/>
+          <a:ln>
+            <a:solidFill>
+              <a:srgbClr val="FF0000"/>
+            </a:solidFill>
+          </a:ln>
+        </p:spPr>
+        <p:style>
+          <a:lnRef idx="2">
+            <a:schemeClr val="accent1">
+              <a:shade val="50000"/>
+            </a:schemeClr>
+          </a:lnRef>
+          <a:fillRef idx="1">
+            <a:schemeClr val="accent1"/>
+          </a:fillRef>
+          <a:effectRef idx="0">
+            <a:schemeClr val="accent1"/>
+          </a:effectRef>
+          <a:fontRef idx="minor">
+            <a:schemeClr val="lt1"/>
+          </a:fontRef>
+        </p:style>
+        <p:txBody>
+          <a:bodyPr rtlCol="0" anchor="ctr"/>
+          <a:lstStyle/>
+          <a:p>
+            <a:pPr algn="ctr"/>
+            <a:endParaRPr lang="en-SG"/>
+          </a:p>
+        </p:txBody>
+      </p:sp>
     </p:spTree>
     <p:extLst>
       <p:ext uri="{BB962C8B-B14F-4D97-AF65-F5344CB8AC3E}">
-        <p14:creationId xmlns:p14="http://schemas.microsoft.com/office/powerpoint/2010/main" val="1628587386"/>
+        <p14:creationId xmlns:p14="http://schemas.microsoft.com/office/powerpoint/2010/main" val="3398723326"/>
       </p:ext>
     </p:extLst>
   </p:cSld>
@@ -7877,10 +8428,832 @@
           <a:chExt cx="0" cy="0"/>
         </a:xfrm>
       </p:grpSpPr>
+      <p:grpSp>
+        <p:nvGrpSpPr>
+          <p:cNvPr id="6" name="Group 5">
+            <a:extLst>
+              <a:ext uri="{FF2B5EF4-FFF2-40B4-BE49-F238E27FC236}">
+                <a16:creationId xmlns:a16="http://schemas.microsoft.com/office/drawing/2014/main" id="{4A8DC92B-097F-3314-8E13-D1CEBB14A7C7}"/>
+              </a:ext>
+            </a:extLst>
+          </p:cNvPr>
+          <p:cNvGrpSpPr/>
+          <p:nvPr/>
+        </p:nvGrpSpPr>
+        <p:grpSpPr>
+          <a:xfrm>
+            <a:off x="2766483" y="287188"/>
+            <a:ext cx="6659033" cy="6283624"/>
+            <a:chOff x="2766483" y="287188"/>
+            <a:chExt cx="6659033" cy="6283624"/>
+          </a:xfrm>
+        </p:grpSpPr>
+        <p:pic>
+          <p:nvPicPr>
+            <p:cNvPr id="3" name="Picture 2">
+              <a:extLst>
+                <a:ext uri="{FF2B5EF4-FFF2-40B4-BE49-F238E27FC236}">
+                  <a16:creationId xmlns:a16="http://schemas.microsoft.com/office/drawing/2014/main" id="{FBF3B8B6-5BD6-FF9C-6481-F0DCD5A87CFE}"/>
+                </a:ext>
+              </a:extLst>
+            </p:cNvPr>
+            <p:cNvPicPr>
+              <a:picLocks noChangeAspect="1"/>
+            </p:cNvPicPr>
+            <p:nvPr/>
+          </p:nvPicPr>
+          <p:blipFill>
+            <a:blip r:embed="rId2"/>
+            <a:stretch>
+              <a:fillRect/>
+            </a:stretch>
+          </p:blipFill>
+          <p:spPr>
+            <a:xfrm>
+              <a:off x="2766483" y="287188"/>
+              <a:ext cx="6659033" cy="6283624"/>
+            </a:xfrm>
+            <a:prstGeom prst="rect">
+              <a:avLst/>
+            </a:prstGeom>
+          </p:spPr>
+        </p:pic>
+        <p:sp>
+          <p:nvSpPr>
+            <p:cNvPr id="4" name="TextBox 3">
+              <a:extLst>
+                <a:ext uri="{FF2B5EF4-FFF2-40B4-BE49-F238E27FC236}">
+                  <a16:creationId xmlns:a16="http://schemas.microsoft.com/office/drawing/2014/main" id="{37C21368-49C2-9DE9-8CB1-5B1ACCD795D5}"/>
+                </a:ext>
+              </a:extLst>
+            </p:cNvPr>
+            <p:cNvSpPr txBox="1"/>
+            <p:nvPr/>
+          </p:nvSpPr>
+          <p:spPr>
+            <a:xfrm>
+              <a:off x="3190129" y="3356265"/>
+              <a:ext cx="4179392" cy="1200329"/>
+            </a:xfrm>
+            <a:prstGeom prst="rect">
+              <a:avLst/>
+            </a:prstGeom>
+            <a:solidFill>
+              <a:srgbClr val="EFEBE4"/>
+            </a:solidFill>
+          </p:spPr>
+          <p:txBody>
+            <a:bodyPr wrap="square">
+              <a:spAutoFit/>
+            </a:bodyPr>
+            <a:lstStyle/>
+            <a:p>
+              <a:r>
+                <a:rPr lang="en-SG" sz="1200">
+                  <a:latin typeface="Consolas" panose="020B0609020204030204" pitchFamily="49" charset="0"/>
+                </a:rPr>
+                <a:t>import pandas as pd</a:t>
+              </a:r>
+            </a:p>
+            <a:p>
+              <a:endParaRPr lang="en-SG" sz="1200">
+                <a:latin typeface="Consolas" panose="020B0609020204030204" pitchFamily="49" charset="0"/>
+              </a:endParaRPr>
+            </a:p>
+            <a:p>
+              <a:r>
+                <a:rPr lang="en-SG" sz="1200">
+                  <a:latin typeface="Consolas" panose="020B0609020204030204" pitchFamily="49" charset="0"/>
+                </a:rPr>
+                <a:t>candy= </a:t>
+              </a:r>
+              <a:r>
+                <a:rPr lang="en-SG" sz="1200">
+                  <a:solidFill>
+                    <a:srgbClr val="FF0000"/>
+                  </a:solidFill>
+                  <a:latin typeface="Consolas" panose="020B0609020204030204" pitchFamily="49" charset="0"/>
+                </a:rPr>
+                <a:t>pd.read_csv</a:t>
+              </a:r>
+              <a:r>
+                <a:rPr lang="en-SG" sz="1200">
+                  <a:latin typeface="Consolas" panose="020B0609020204030204" pitchFamily="49" charset="0"/>
+                </a:rPr>
+                <a:t>(file_name, </a:t>
+              </a:r>
+              <a:r>
+                <a:rPr lang="en-SG" sz="1200">
+                  <a:solidFill>
+                    <a:srgbClr val="FF0000"/>
+                  </a:solidFill>
+                  <a:latin typeface="Consolas" panose="020B0609020204030204" pitchFamily="49" charset="0"/>
+                </a:rPr>
+                <a:t>na_values='-'</a:t>
+              </a:r>
+              <a:r>
+                <a:rPr lang="en-SG" sz="1200">
+                  <a:latin typeface="Consolas" panose="020B0609020204030204" pitchFamily="49" charset="0"/>
+                </a:rPr>
+                <a:t>)</a:t>
+              </a:r>
+            </a:p>
+            <a:p>
+              <a:endParaRPr lang="en-SG" sz="1200">
+                <a:latin typeface="Consolas" panose="020B0609020204030204" pitchFamily="49" charset="0"/>
+              </a:endParaRPr>
+            </a:p>
+            <a:p>
+              <a:r>
+                <a:rPr lang="en-SG" sz="1200">
+                  <a:latin typeface="Consolas" panose="020B0609020204030204" pitchFamily="49" charset="0"/>
+                </a:rPr>
+                <a:t>print(candy.head())</a:t>
+              </a:r>
+            </a:p>
+            <a:p>
+              <a:endParaRPr lang="en-SG" sz="1200">
+                <a:latin typeface="Consolas" panose="020B0609020204030204" pitchFamily="49" charset="0"/>
+              </a:endParaRPr>
+            </a:p>
+          </p:txBody>
+        </p:sp>
+      </p:grpSp>
+      <p:sp>
+        <p:nvSpPr>
+          <p:cNvPr id="7" name="TextBox 6">
+            <a:extLst>
+              <a:ext uri="{FF2B5EF4-FFF2-40B4-BE49-F238E27FC236}">
+                <a16:creationId xmlns:a16="http://schemas.microsoft.com/office/drawing/2014/main" id="{074E6139-2820-76BF-0F15-32CAD35B6B59}"/>
+              </a:ext>
+            </a:extLst>
+          </p:cNvPr>
+          <p:cNvSpPr txBox="1"/>
+          <p:nvPr/>
+        </p:nvSpPr>
+        <p:spPr>
+          <a:xfrm>
+            <a:off x="9383486" y="82715"/>
+            <a:ext cx="2722563" cy="369332"/>
+          </a:xfrm>
+          <a:prstGeom prst="rect">
+            <a:avLst/>
+          </a:prstGeom>
+          <a:solidFill>
+            <a:schemeClr val="accent2"/>
+          </a:solidFill>
+        </p:spPr>
+        <p:txBody>
+          <a:bodyPr wrap="square" rtlCol="0">
+            <a:spAutoFit/>
+          </a:bodyPr>
+          <a:lstStyle/>
+          <a:p>
+            <a:pPr algn="ctr"/>
+            <a:r>
+              <a:rPr lang="en-GB"/>
+              <a:t>HARD</a:t>
+            </a:r>
+            <a:endParaRPr lang="en-SG"/>
+          </a:p>
+        </p:txBody>
+      </p:sp>
+    </p:spTree>
+    <p:extLst>
+      <p:ext uri="{BB962C8B-B14F-4D97-AF65-F5344CB8AC3E}">
+        <p14:creationId xmlns:p14="http://schemas.microsoft.com/office/powerpoint/2010/main" val="3501865659"/>
+      </p:ext>
+    </p:extLst>
+  </p:cSld>
+  <p:clrMapOvr>
+    <a:masterClrMapping/>
+  </p:clrMapOvr>
+</p:sld>
+</file>
+
+<file path=ppt/slides/slide34.xml><?xml version="1.0" encoding="utf-8"?>
+<p:sld xmlns:a="http://schemas.openxmlformats.org/drawingml/2006/main" xmlns:r="http://schemas.openxmlformats.org/officeDocument/2006/relationships" xmlns:p="http://schemas.openxmlformats.org/presentationml/2006/main">
+  <p:cSld>
+    <p:spTree>
+      <p:nvGrpSpPr>
+        <p:cNvPr id="1" name=""/>
+        <p:cNvGrpSpPr/>
+        <p:nvPr/>
+      </p:nvGrpSpPr>
+      <p:grpSpPr>
+        <a:xfrm>
+          <a:off x="0" y="0"/>
+          <a:ext cx="0" cy="0"/>
+          <a:chOff x="0" y="0"/>
+          <a:chExt cx="0" cy="0"/>
+        </a:xfrm>
+      </p:grpSpPr>
+      <p:grpSp>
+        <p:nvGrpSpPr>
+          <p:cNvPr id="6" name="Group 5">
+            <a:extLst>
+              <a:ext uri="{FF2B5EF4-FFF2-40B4-BE49-F238E27FC236}">
+                <a16:creationId xmlns:a16="http://schemas.microsoft.com/office/drawing/2014/main" id="{48EFC09C-EACF-848D-E125-D110A8C57AD7}"/>
+              </a:ext>
+            </a:extLst>
+          </p:cNvPr>
+          <p:cNvGrpSpPr/>
+          <p:nvPr/>
+        </p:nvGrpSpPr>
+        <p:grpSpPr>
+          <a:xfrm>
+            <a:off x="3016196" y="178806"/>
+            <a:ext cx="6159608" cy="6500388"/>
+            <a:chOff x="3016196" y="178806"/>
+            <a:chExt cx="6159608" cy="6500388"/>
+          </a:xfrm>
+        </p:grpSpPr>
+        <p:pic>
+          <p:nvPicPr>
+            <p:cNvPr id="3" name="Picture 2">
+              <a:extLst>
+                <a:ext uri="{FF2B5EF4-FFF2-40B4-BE49-F238E27FC236}">
+                  <a16:creationId xmlns:a16="http://schemas.microsoft.com/office/drawing/2014/main" id="{86D9C678-AECC-6FBB-BD64-2115029BA080}"/>
+                </a:ext>
+              </a:extLst>
+            </p:cNvPr>
+            <p:cNvPicPr>
+              <a:picLocks noChangeAspect="1"/>
+            </p:cNvPicPr>
+            <p:nvPr/>
+          </p:nvPicPr>
+          <p:blipFill>
+            <a:blip r:embed="rId2"/>
+            <a:stretch>
+              <a:fillRect/>
+            </a:stretch>
+          </p:blipFill>
+          <p:spPr>
+            <a:xfrm>
+              <a:off x="3016196" y="178806"/>
+              <a:ext cx="6159608" cy="6500388"/>
+            </a:xfrm>
+            <a:prstGeom prst="rect">
+              <a:avLst/>
+            </a:prstGeom>
+          </p:spPr>
+        </p:pic>
+        <p:sp>
+          <p:nvSpPr>
+            <p:cNvPr id="4" name="TextBox 3">
+              <a:extLst>
+                <a:ext uri="{FF2B5EF4-FFF2-40B4-BE49-F238E27FC236}">
+                  <a16:creationId xmlns:a16="http://schemas.microsoft.com/office/drawing/2014/main" id="{6266DA01-1EE7-B40F-1754-F0C85DF6D52E}"/>
+                </a:ext>
+              </a:extLst>
+            </p:cNvPr>
+            <p:cNvSpPr txBox="1"/>
+            <p:nvPr/>
+          </p:nvSpPr>
+          <p:spPr>
+            <a:xfrm>
+              <a:off x="3398359" y="3320052"/>
+              <a:ext cx="4405728" cy="646331"/>
+            </a:xfrm>
+            <a:prstGeom prst="rect">
+              <a:avLst/>
+            </a:prstGeom>
+            <a:solidFill>
+              <a:srgbClr val="EFEBE4"/>
+            </a:solidFill>
+          </p:spPr>
+          <p:txBody>
+            <a:bodyPr wrap="square">
+              <a:spAutoFit/>
+            </a:bodyPr>
+            <a:lstStyle/>
+            <a:p>
+              <a:r>
+                <a:rPr lang="en-SG" sz="1200">
+                  <a:solidFill>
+                    <a:srgbClr val="FF0000"/>
+                  </a:solidFill>
+                  <a:latin typeface="Consolas" panose="020B0609020204030204" pitchFamily="49" charset="0"/>
+                </a:rPr>
+                <a:t>student['grade'] = student['grade'].astype(int)</a:t>
+              </a:r>
+            </a:p>
+            <a:p>
+              <a:endParaRPr lang="en-SG" sz="1200">
+                <a:latin typeface="Consolas" panose="020B0609020204030204" pitchFamily="49" charset="0"/>
+              </a:endParaRPr>
+            </a:p>
+            <a:p>
+              <a:r>
+                <a:rPr lang="en-SG" sz="1200">
+                  <a:latin typeface="Consolas" panose="020B0609020204030204" pitchFamily="49" charset="0"/>
+                </a:rPr>
+                <a:t>print(student)</a:t>
+              </a:r>
+            </a:p>
+          </p:txBody>
+        </p:sp>
+      </p:grpSp>
+      <p:sp>
+        <p:nvSpPr>
+          <p:cNvPr id="7" name="TextBox 6">
+            <a:extLst>
+              <a:ext uri="{FF2B5EF4-FFF2-40B4-BE49-F238E27FC236}">
+                <a16:creationId xmlns:a16="http://schemas.microsoft.com/office/drawing/2014/main" id="{A0BE3BA5-4540-2F14-F48D-8F45CD28831F}"/>
+              </a:ext>
+            </a:extLst>
+          </p:cNvPr>
+          <p:cNvSpPr txBox="1"/>
+          <p:nvPr/>
+        </p:nvSpPr>
+        <p:spPr>
+          <a:xfrm>
+            <a:off x="9383486" y="82715"/>
+            <a:ext cx="2722563" cy="369332"/>
+          </a:xfrm>
+          <a:prstGeom prst="rect">
+            <a:avLst/>
+          </a:prstGeom>
+          <a:solidFill>
+            <a:schemeClr val="accent2"/>
+          </a:solidFill>
+        </p:spPr>
+        <p:txBody>
+          <a:bodyPr wrap="square" rtlCol="0">
+            <a:spAutoFit/>
+          </a:bodyPr>
+          <a:lstStyle/>
+          <a:p>
+            <a:pPr algn="ctr"/>
+            <a:r>
+              <a:rPr lang="en-GB"/>
+              <a:t>HARD</a:t>
+            </a:r>
+            <a:endParaRPr lang="en-SG"/>
+          </a:p>
+        </p:txBody>
+      </p:sp>
+    </p:spTree>
+    <p:extLst>
+      <p:ext uri="{BB962C8B-B14F-4D97-AF65-F5344CB8AC3E}">
+        <p14:creationId xmlns:p14="http://schemas.microsoft.com/office/powerpoint/2010/main" val="1628587386"/>
+      </p:ext>
+    </p:extLst>
+  </p:cSld>
+  <p:clrMapOvr>
+    <a:masterClrMapping/>
+  </p:clrMapOvr>
+</p:sld>
+</file>
+
+<file path=ppt/slides/slide35.xml><?xml version="1.0" encoding="utf-8"?>
+<p:sld xmlns:a="http://schemas.openxmlformats.org/drawingml/2006/main" xmlns:r="http://schemas.openxmlformats.org/officeDocument/2006/relationships" xmlns:p="http://schemas.openxmlformats.org/presentationml/2006/main">
+  <p:cSld>
+    <p:spTree>
+      <p:nvGrpSpPr>
+        <p:cNvPr id="1" name=""/>
+        <p:cNvGrpSpPr/>
+        <p:nvPr/>
+      </p:nvGrpSpPr>
+      <p:grpSpPr>
+        <a:xfrm>
+          <a:off x="0" y="0"/>
+          <a:ext cx="0" cy="0"/>
+          <a:chOff x="0" y="0"/>
+          <a:chExt cx="0" cy="0"/>
+        </a:xfrm>
+      </p:grpSpPr>
+      <p:grpSp>
+        <p:nvGrpSpPr>
+          <p:cNvPr id="6" name="Group 5">
+            <a:extLst>
+              <a:ext uri="{FF2B5EF4-FFF2-40B4-BE49-F238E27FC236}">
+                <a16:creationId xmlns:a16="http://schemas.microsoft.com/office/drawing/2014/main" id="{0FBD6E30-C507-4EB0-5D31-590FE2C7F146}"/>
+              </a:ext>
+            </a:extLst>
+          </p:cNvPr>
+          <p:cNvGrpSpPr/>
+          <p:nvPr/>
+        </p:nvGrpSpPr>
+        <p:grpSpPr>
+          <a:xfrm>
+            <a:off x="2909887" y="704850"/>
+            <a:ext cx="6372225" cy="5448300"/>
+            <a:chOff x="2909887" y="704850"/>
+            <a:chExt cx="6372225" cy="5448300"/>
+          </a:xfrm>
+        </p:grpSpPr>
+        <p:pic>
+          <p:nvPicPr>
+            <p:cNvPr id="3" name="Picture 2">
+              <a:extLst>
+                <a:ext uri="{FF2B5EF4-FFF2-40B4-BE49-F238E27FC236}">
+                  <a16:creationId xmlns:a16="http://schemas.microsoft.com/office/drawing/2014/main" id="{BC7F2DB5-1CA0-D171-DAB9-56AC885C2B5C}"/>
+                </a:ext>
+              </a:extLst>
+            </p:cNvPr>
+            <p:cNvPicPr>
+              <a:picLocks noChangeAspect="1"/>
+            </p:cNvPicPr>
+            <p:nvPr/>
+          </p:nvPicPr>
+          <p:blipFill>
+            <a:blip r:embed="rId2"/>
+            <a:stretch>
+              <a:fillRect/>
+            </a:stretch>
+          </p:blipFill>
+          <p:spPr>
+            <a:xfrm>
+              <a:off x="2909887" y="704850"/>
+              <a:ext cx="6372225" cy="5448300"/>
+            </a:xfrm>
+            <a:prstGeom prst="rect">
+              <a:avLst/>
+            </a:prstGeom>
+          </p:spPr>
+        </p:pic>
+        <p:sp>
+          <p:nvSpPr>
+            <p:cNvPr id="4" name="TextBox 3">
+              <a:extLst>
+                <a:ext uri="{FF2B5EF4-FFF2-40B4-BE49-F238E27FC236}">
+                  <a16:creationId xmlns:a16="http://schemas.microsoft.com/office/drawing/2014/main" id="{96C66873-BE86-B35A-748E-C9E6B5F43B3E}"/>
+                </a:ext>
+              </a:extLst>
+            </p:cNvPr>
+            <p:cNvSpPr txBox="1"/>
+            <p:nvPr/>
+          </p:nvSpPr>
+          <p:spPr>
+            <a:xfrm>
+              <a:off x="3307824" y="3845153"/>
+              <a:ext cx="3744685" cy="646331"/>
+            </a:xfrm>
+            <a:prstGeom prst="rect">
+              <a:avLst/>
+            </a:prstGeom>
+            <a:solidFill>
+              <a:srgbClr val="EFEBE4"/>
+            </a:solidFill>
+          </p:spPr>
+          <p:txBody>
+            <a:bodyPr wrap="square">
+              <a:spAutoFit/>
+            </a:bodyPr>
+            <a:lstStyle/>
+            <a:p>
+              <a:r>
+                <a:rPr lang="en-SG" sz="1200">
+                  <a:latin typeface="Consolas" panose="020B0609020204030204" pitchFamily="49" charset="0"/>
+                </a:rPr>
+                <a:t>duplicates = </a:t>
+              </a:r>
+              <a:r>
+                <a:rPr lang="en-SG" sz="1200">
+                  <a:solidFill>
+                    <a:srgbClr val="FF0000"/>
+                  </a:solidFill>
+                  <a:latin typeface="Consolas" panose="020B0609020204030204" pitchFamily="49" charset="0"/>
+                </a:rPr>
+                <a:t>game[game.duplicated()]</a:t>
+              </a:r>
+            </a:p>
+            <a:p>
+              <a:endParaRPr lang="en-SG" sz="1200">
+                <a:latin typeface="Consolas" panose="020B0609020204030204" pitchFamily="49" charset="0"/>
+              </a:endParaRPr>
+            </a:p>
+            <a:p>
+              <a:r>
+                <a:rPr lang="en-SG" sz="1200">
+                  <a:latin typeface="Consolas" panose="020B0609020204030204" pitchFamily="49" charset="0"/>
+                </a:rPr>
+                <a:t>print(duplicates)</a:t>
+              </a:r>
+            </a:p>
+          </p:txBody>
+        </p:sp>
+      </p:grpSp>
+      <p:sp>
+        <p:nvSpPr>
+          <p:cNvPr id="7" name="TextBox 6">
+            <a:extLst>
+              <a:ext uri="{FF2B5EF4-FFF2-40B4-BE49-F238E27FC236}">
+                <a16:creationId xmlns:a16="http://schemas.microsoft.com/office/drawing/2014/main" id="{1A13A19A-E30E-380C-058F-33BCD4E23430}"/>
+              </a:ext>
+            </a:extLst>
+          </p:cNvPr>
+          <p:cNvSpPr txBox="1"/>
+          <p:nvPr/>
+        </p:nvSpPr>
+        <p:spPr>
+          <a:xfrm>
+            <a:off x="9383486" y="82715"/>
+            <a:ext cx="2722563" cy="369332"/>
+          </a:xfrm>
+          <a:prstGeom prst="rect">
+            <a:avLst/>
+          </a:prstGeom>
+          <a:solidFill>
+            <a:schemeClr val="accent2"/>
+          </a:solidFill>
+        </p:spPr>
+        <p:txBody>
+          <a:bodyPr wrap="square" rtlCol="0">
+            <a:spAutoFit/>
+          </a:bodyPr>
+          <a:lstStyle/>
+          <a:p>
+            <a:pPr algn="ctr"/>
+            <a:r>
+              <a:rPr lang="en-GB"/>
+              <a:t>HARD</a:t>
+            </a:r>
+            <a:endParaRPr lang="en-SG"/>
+          </a:p>
+        </p:txBody>
+      </p:sp>
     </p:spTree>
     <p:extLst>
       <p:ext uri="{BB962C8B-B14F-4D97-AF65-F5344CB8AC3E}">
         <p14:creationId xmlns:p14="http://schemas.microsoft.com/office/powerpoint/2010/main" val="3053346321"/>
+      </p:ext>
+    </p:extLst>
+  </p:cSld>
+  <p:clrMapOvr>
+    <a:masterClrMapping/>
+  </p:clrMapOvr>
+</p:sld>
+</file>
+
+<file path=ppt/slides/slide36.xml><?xml version="1.0" encoding="utf-8"?>
+<p:sld xmlns:a="http://schemas.openxmlformats.org/drawingml/2006/main" xmlns:r="http://schemas.openxmlformats.org/officeDocument/2006/relationships" xmlns:p="http://schemas.openxmlformats.org/presentationml/2006/main">
+  <p:cSld>
+    <p:spTree>
+      <p:nvGrpSpPr>
+        <p:cNvPr id="1" name=""/>
+        <p:cNvGrpSpPr/>
+        <p:nvPr/>
+      </p:nvGrpSpPr>
+      <p:grpSpPr>
+        <a:xfrm>
+          <a:off x="0" y="0"/>
+          <a:ext cx="0" cy="0"/>
+          <a:chOff x="0" y="0"/>
+          <a:chExt cx="0" cy="0"/>
+        </a:xfrm>
+      </p:grpSpPr>
+      <p:grpSp>
+        <p:nvGrpSpPr>
+          <p:cNvPr id="6" name="Group 5">
+            <a:extLst>
+              <a:ext uri="{FF2B5EF4-FFF2-40B4-BE49-F238E27FC236}">
+                <a16:creationId xmlns:a16="http://schemas.microsoft.com/office/drawing/2014/main" id="{80130E32-1FBD-388A-8887-25A537634929}"/>
+              </a:ext>
+            </a:extLst>
+          </p:cNvPr>
+          <p:cNvGrpSpPr/>
+          <p:nvPr/>
+        </p:nvGrpSpPr>
+        <p:grpSpPr>
+          <a:xfrm>
+            <a:off x="2547937" y="504825"/>
+            <a:ext cx="7096125" cy="5848350"/>
+            <a:chOff x="2547937" y="504825"/>
+            <a:chExt cx="7096125" cy="5848350"/>
+          </a:xfrm>
+        </p:grpSpPr>
+        <p:pic>
+          <p:nvPicPr>
+            <p:cNvPr id="3" name="Picture 2">
+              <a:extLst>
+                <a:ext uri="{FF2B5EF4-FFF2-40B4-BE49-F238E27FC236}">
+                  <a16:creationId xmlns:a16="http://schemas.microsoft.com/office/drawing/2014/main" id="{7531D4EF-5338-98C0-D427-7EEEB4BB71D4}"/>
+                </a:ext>
+              </a:extLst>
+            </p:cNvPr>
+            <p:cNvPicPr>
+              <a:picLocks noChangeAspect="1"/>
+            </p:cNvPicPr>
+            <p:nvPr/>
+          </p:nvPicPr>
+          <p:blipFill>
+            <a:blip r:embed="rId2"/>
+            <a:stretch>
+              <a:fillRect/>
+            </a:stretch>
+          </p:blipFill>
+          <p:spPr>
+            <a:xfrm>
+              <a:off x="2547937" y="504825"/>
+              <a:ext cx="7096125" cy="5848350"/>
+            </a:xfrm>
+            <a:prstGeom prst="rect">
+              <a:avLst/>
+            </a:prstGeom>
+          </p:spPr>
+        </p:pic>
+        <p:sp>
+          <p:nvSpPr>
+            <p:cNvPr id="4" name="TextBox 3">
+              <a:extLst>
+                <a:ext uri="{FF2B5EF4-FFF2-40B4-BE49-F238E27FC236}">
+                  <a16:creationId xmlns:a16="http://schemas.microsoft.com/office/drawing/2014/main" id="{E8292CAD-B6FE-D8AF-F4E3-F29360929015}"/>
+                </a:ext>
+              </a:extLst>
+            </p:cNvPr>
+            <p:cNvSpPr txBox="1"/>
+            <p:nvPr/>
+          </p:nvSpPr>
+          <p:spPr>
+            <a:xfrm>
+              <a:off x="2954740" y="2587123"/>
+              <a:ext cx="4432888" cy="830997"/>
+            </a:xfrm>
+            <a:prstGeom prst="rect">
+              <a:avLst/>
+            </a:prstGeom>
+            <a:solidFill>
+              <a:srgbClr val="EFEBE4"/>
+            </a:solidFill>
+          </p:spPr>
+          <p:txBody>
+            <a:bodyPr wrap="square">
+              <a:spAutoFit/>
+            </a:bodyPr>
+            <a:lstStyle/>
+            <a:p>
+              <a:r>
+                <a:rPr lang="en-SG" sz="1200">
+                  <a:latin typeface="Consolas" panose="020B0609020204030204" pitchFamily="49" charset="0"/>
+                </a:rPr>
+                <a:t>wine_with_price= wine</a:t>
+              </a:r>
+              <a:r>
+                <a:rPr lang="en-SG" sz="1200">
+                  <a:solidFill>
+                    <a:srgbClr val="FF0000"/>
+                  </a:solidFill>
+                  <a:latin typeface="Consolas" panose="020B0609020204030204" pitchFamily="49" charset="0"/>
+                </a:rPr>
+                <a:t>.dropna(subset=['price'])</a:t>
+              </a:r>
+            </a:p>
+            <a:p>
+              <a:endParaRPr lang="en-SG" sz="1200">
+                <a:latin typeface="Consolas" panose="020B0609020204030204" pitchFamily="49" charset="0"/>
+              </a:endParaRPr>
+            </a:p>
+            <a:p>
+              <a:r>
+                <a:rPr lang="en-SG" sz="1200">
+                  <a:latin typeface="Consolas" panose="020B0609020204030204" pitchFamily="49" charset="0"/>
+                </a:rPr>
+                <a:t>print(wine_with_price)</a:t>
+              </a:r>
+            </a:p>
+            <a:p>
+              <a:endParaRPr lang="en-SG" sz="1200">
+                <a:latin typeface="Consolas" panose="020B0609020204030204" pitchFamily="49" charset="0"/>
+              </a:endParaRPr>
+            </a:p>
+          </p:txBody>
+        </p:sp>
+      </p:grpSp>
+      <p:sp>
+        <p:nvSpPr>
+          <p:cNvPr id="7" name="TextBox 6">
+            <a:extLst>
+              <a:ext uri="{FF2B5EF4-FFF2-40B4-BE49-F238E27FC236}">
+                <a16:creationId xmlns:a16="http://schemas.microsoft.com/office/drawing/2014/main" id="{1DC9A9B9-5622-D877-6FBE-E843AF2B55DC}"/>
+              </a:ext>
+            </a:extLst>
+          </p:cNvPr>
+          <p:cNvSpPr txBox="1"/>
+          <p:nvPr/>
+        </p:nvSpPr>
+        <p:spPr>
+          <a:xfrm>
+            <a:off x="9383486" y="82715"/>
+            <a:ext cx="2722563" cy="369332"/>
+          </a:xfrm>
+          <a:prstGeom prst="rect">
+            <a:avLst/>
+          </a:prstGeom>
+          <a:solidFill>
+            <a:schemeClr val="accent2"/>
+          </a:solidFill>
+        </p:spPr>
+        <p:txBody>
+          <a:bodyPr wrap="square" rtlCol="0">
+            <a:spAutoFit/>
+          </a:bodyPr>
+          <a:lstStyle/>
+          <a:p>
+            <a:pPr algn="ctr"/>
+            <a:r>
+              <a:rPr lang="en-GB"/>
+              <a:t>HARD</a:t>
+            </a:r>
+            <a:endParaRPr lang="en-SG"/>
+          </a:p>
+        </p:txBody>
+      </p:sp>
+    </p:spTree>
+    <p:extLst>
+      <p:ext uri="{BB962C8B-B14F-4D97-AF65-F5344CB8AC3E}">
+        <p14:creationId xmlns:p14="http://schemas.microsoft.com/office/powerpoint/2010/main" val="2468632205"/>
+      </p:ext>
+    </p:extLst>
+  </p:cSld>
+  <p:clrMapOvr>
+    <a:masterClrMapping/>
+  </p:clrMapOvr>
+</p:sld>
+</file>
+
+<file path=ppt/slides/slide37.xml><?xml version="1.0" encoding="utf-8"?>
+<p:sld xmlns:a="http://schemas.openxmlformats.org/drawingml/2006/main" xmlns:r="http://schemas.openxmlformats.org/officeDocument/2006/relationships" xmlns:p="http://schemas.openxmlformats.org/presentationml/2006/main">
+  <p:cSld>
+    <p:spTree>
+      <p:nvGrpSpPr>
+        <p:cNvPr id="1" name=""/>
+        <p:cNvGrpSpPr/>
+        <p:nvPr/>
+      </p:nvGrpSpPr>
+      <p:grpSpPr>
+        <a:xfrm>
+          <a:off x="0" y="0"/>
+          <a:ext cx="0" cy="0"/>
+          <a:chOff x="0" y="0"/>
+          <a:chExt cx="0" cy="0"/>
+        </a:xfrm>
+      </p:grpSpPr>
+    </p:spTree>
+    <p:extLst>
+      <p:ext uri="{BB962C8B-B14F-4D97-AF65-F5344CB8AC3E}">
+        <p14:creationId xmlns:p14="http://schemas.microsoft.com/office/powerpoint/2010/main" val="2819145813"/>
+      </p:ext>
+    </p:extLst>
+  </p:cSld>
+  <p:clrMapOvr>
+    <a:masterClrMapping/>
+  </p:clrMapOvr>
+</p:sld>
+</file>
+
+<file path=ppt/slides/slide38.xml><?xml version="1.0" encoding="utf-8"?>
+<p:sld xmlns:a="http://schemas.openxmlformats.org/drawingml/2006/main" xmlns:r="http://schemas.openxmlformats.org/officeDocument/2006/relationships" xmlns:p="http://schemas.openxmlformats.org/presentationml/2006/main">
+  <p:cSld>
+    <p:spTree>
+      <p:nvGrpSpPr>
+        <p:cNvPr id="1" name=""/>
+        <p:cNvGrpSpPr/>
+        <p:nvPr/>
+      </p:nvGrpSpPr>
+      <p:grpSpPr>
+        <a:xfrm>
+          <a:off x="0" y="0"/>
+          <a:ext cx="0" cy="0"/>
+          <a:chOff x="0" y="0"/>
+          <a:chExt cx="0" cy="0"/>
+        </a:xfrm>
+      </p:grpSpPr>
+    </p:spTree>
+    <p:extLst>
+      <p:ext uri="{BB962C8B-B14F-4D97-AF65-F5344CB8AC3E}">
+        <p14:creationId xmlns:p14="http://schemas.microsoft.com/office/powerpoint/2010/main" val="774746818"/>
+      </p:ext>
+    </p:extLst>
+  </p:cSld>
+  <p:clrMapOvr>
+    <a:masterClrMapping/>
+  </p:clrMapOvr>
+</p:sld>
+</file>
+
+<file path=ppt/slides/slide39.xml><?xml version="1.0" encoding="utf-8"?>
+<p:sld xmlns:a="http://schemas.openxmlformats.org/drawingml/2006/main" xmlns:r="http://schemas.openxmlformats.org/officeDocument/2006/relationships" xmlns:p="http://schemas.openxmlformats.org/presentationml/2006/main">
+  <p:cSld>
+    <p:spTree>
+      <p:nvGrpSpPr>
+        <p:cNvPr id="1" name=""/>
+        <p:cNvGrpSpPr/>
+        <p:nvPr/>
+      </p:nvGrpSpPr>
+      <p:grpSpPr>
+        <a:xfrm>
+          <a:off x="0" y="0"/>
+          <a:ext cx="0" cy="0"/>
+          <a:chOff x="0" y="0"/>
+          <a:chExt cx="0" cy="0"/>
+        </a:xfrm>
+      </p:grpSpPr>
+    </p:spTree>
+    <p:extLst>
+      <p:ext uri="{BB962C8B-B14F-4D97-AF65-F5344CB8AC3E}">
+        <p14:creationId xmlns:p14="http://schemas.microsoft.com/office/powerpoint/2010/main" val="1865333425"/>
       </p:ext>
     </p:extLst>
   </p:cSld>
@@ -7978,9 +9351,7 @@
               <a:avLst/>
             </a:prstGeom>
             <a:solidFill>
-              <a:schemeClr val="bg1">
-                <a:lumMod val="95000"/>
-              </a:schemeClr>
+              <a:srgbClr val="EFEBE4"/>
             </a:solidFill>
           </p:spPr>
           <p:txBody>
@@ -8122,9 +9493,7 @@
               <a:avLst/>
             </a:prstGeom>
             <a:solidFill>
-              <a:schemeClr val="bg1">
-                <a:lumMod val="95000"/>
-              </a:schemeClr>
+              <a:srgbClr val="EFEBE4"/>
             </a:solidFill>
           </p:spPr>
           <p:txBody>
@@ -8280,9 +9649,7 @@
               <a:avLst/>
             </a:prstGeom>
             <a:solidFill>
-              <a:schemeClr val="bg1">
-                <a:lumMod val="95000"/>
-              </a:schemeClr>
+              <a:srgbClr val="EFEBE4"/>
             </a:solidFill>
           </p:spPr>
           <p:txBody>
@@ -8443,9 +9810,7 @@
               <a:avLst/>
             </a:prstGeom>
             <a:solidFill>
-              <a:schemeClr val="bg1">
-                <a:lumMod val="95000"/>
-              </a:schemeClr>
+              <a:srgbClr val="EFEBE4"/>
             </a:solidFill>
           </p:spPr>
           <p:txBody>
@@ -8580,9 +9945,7 @@
               <a:avLst/>
             </a:prstGeom>
             <a:solidFill>
-              <a:schemeClr val="bg1">
-                <a:lumMod val="95000"/>
-              </a:schemeClr>
+              <a:srgbClr val="EFEBE4"/>
             </a:solidFill>
           </p:spPr>
           <p:txBody>
@@ -8743,9 +10106,7 @@
               <a:avLst/>
             </a:prstGeom>
             <a:solidFill>
-              <a:schemeClr val="bg1">
-                <a:lumMod val="95000"/>
-              </a:schemeClr>
+              <a:srgbClr val="EFEBE4"/>
             </a:solidFill>
           </p:spPr>
           <p:txBody>
@@ -9110,7 +10471,40 @@
       </a:bgFillStyleLst>
     </a:fmtScheme>
   </a:themeElements>
-  <a:objectDefaults/>
+  <a:objectDefaults>
+    <a:spDef>
+      <a:spPr>
+        <a:noFill/>
+        <a:ln>
+          <a:solidFill>
+            <a:srgbClr val="FF0000"/>
+          </a:solidFill>
+        </a:ln>
+      </a:spPr>
+      <a:bodyPr rtlCol="0" anchor="ctr"/>
+      <a:lstStyle>
+        <a:defPPr algn="ctr">
+          <a:defRPr/>
+        </a:defPPr>
+      </a:lstStyle>
+      <a:style>
+        <a:lnRef idx="2">
+          <a:schemeClr val="accent1">
+            <a:shade val="50000"/>
+          </a:schemeClr>
+        </a:lnRef>
+        <a:fillRef idx="1">
+          <a:schemeClr val="accent1"/>
+        </a:fillRef>
+        <a:effectRef idx="0">
+          <a:schemeClr val="accent1"/>
+        </a:effectRef>
+        <a:fontRef idx="minor">
+          <a:schemeClr val="lt1"/>
+        </a:fontRef>
+      </a:style>
+    </a:spDef>
+  </a:objectDefaults>
   <a:extraClrSchemeLst/>
   <a:extLst>
     <a:ext uri="{05A4C25C-085E-4340-85A3-A5531E510DB2}">
